--- a/2015-2016/clases/informatica_aplicada/clase_10/clase_10.pptx
+++ b/2015-2016/clases/informatica_aplicada/clase_10/clase_10.pptx
@@ -7,18 +7,16 @@
   </p:sldMasterIdLst>
   <p:sldIdLst>
     <p:sldId id="256" r:id="rId3"/>
-    <p:sldId id="257" r:id="rId4"/>
-    <p:sldId id="258" r:id="rId5"/>
-    <p:sldId id="259" r:id="rId6"/>
-    <p:sldId id="260" r:id="rId7"/>
-    <p:sldId id="261" r:id="rId8"/>
-    <p:sldId id="262" r:id="rId9"/>
-    <p:sldId id="263" r:id="rId10"/>
-    <p:sldId id="264" r:id="rId11"/>
-    <p:sldId id="265" r:id="rId12"/>
-    <p:sldId id="266" r:id="rId13"/>
-    <p:sldId id="267" r:id="rId14"/>
-    <p:sldId id="268" r:id="rId15"/>
+    <p:sldId id="261" r:id="rId4"/>
+    <p:sldId id="262" r:id="rId5"/>
+    <p:sldId id="263" r:id="rId6"/>
+    <p:sldId id="264" r:id="rId7"/>
+    <p:sldId id="265" r:id="rId8"/>
+    <p:sldId id="266" r:id="rId9"/>
+    <p:sldId id="257" r:id="rId10"/>
+    <p:sldId id="258" r:id="rId11"/>
+    <p:sldId id="259" r:id="rId12"/>
+    <p:sldId id="260" r:id="rId13"/>
   </p:sldIdLst>
   <p:sldSz cx="9144000" cy="6858000" type="screen4x3"/>
   <p:notesSz cx="7559675" cy="10691813"/>
@@ -3053,8 +3051,8 @@
         </p:nvSpPr>
         <p:spPr>
           <a:xfrm>
-            <a:off x="755640" y="2565000"/>
-            <a:ext cx="5436360" cy="1468440"/>
+            <a:off x="381000" y="1905000"/>
+            <a:ext cx="8458200" cy="2133600"/>
           </a:xfrm>
           <a:prstGeom prst="rect">
             <a:avLst/>
@@ -3074,15 +3072,15 @@
               </a:lnSpc>
             </a:pPr>
             <a:r>
-              <a:rPr lang="es-EC" sz="5400">
+              <a:rPr lang="es-EC" sz="5400" dirty="0" smtClean="0">
                 <a:solidFill>
                   <a:srgbClr val="FFFFFF"/>
                 </a:solidFill>
                 <a:latin typeface="Book Antiqua"/>
               </a:rPr>
-              <a:t>FILTROS EXCEL</a:t>
-            </a:r>
-            <a:endParaRPr/>
+              <a:t>Estructura básica de una Red de Datos</a:t>
+            </a:r>
+            <a:endParaRPr dirty="0"/>
           </a:p>
         </p:txBody>
       </p:sp>
@@ -3140,6 +3138,157 @@
       </p:grpSpPr>
       <p:sp>
         <p:nvSpPr>
+          <p:cNvPr id="2" name="CustomShape 1"/>
+          <p:cNvSpPr/>
+          <p:nvPr/>
+        </p:nvSpPr>
+        <p:spPr>
+          <a:xfrm>
+            <a:off x="762000" y="2438400"/>
+            <a:ext cx="7391400" cy="1066800"/>
+          </a:xfrm>
+          <a:prstGeom prst="rect">
+            <a:avLst/>
+          </a:prstGeom>
+          <a:noFill/>
+          <a:ln>
+            <a:noFill/>
+          </a:ln>
+        </p:spPr>
+        <p:txBody>
+          <a:bodyPr lIns="90000" tIns="45000" rIns="90000" bIns="45000" anchor="b"/>
+          <a:lstStyle/>
+          <a:p>
+            <a:pPr>
+              <a:lnSpc>
+                <a:spcPct val="100000"/>
+              </a:lnSpc>
+            </a:pPr>
+            <a:r>
+              <a:rPr lang="es-EC" sz="5400" dirty="0" smtClean="0">
+                <a:solidFill>
+                  <a:srgbClr val="FFFFFF"/>
+                </a:solidFill>
+                <a:latin typeface="Book Antiqua"/>
+              </a:rPr>
+              <a:t>Arquitectura por capa</a:t>
+            </a:r>
+            <a:endParaRPr dirty="0"/>
+          </a:p>
+        </p:txBody>
+      </p:sp>
+    </p:spTree>
+    <p:extLst>
+      <p:ext uri="{BB962C8B-B14F-4D97-AF65-F5344CB8AC3E}">
+        <p14:creationId xmlns:p14="http://schemas.microsoft.com/office/powerpoint/2010/main" val="1166046796"/>
+      </p:ext>
+    </p:extLst>
+  </p:cSld>
+  <p:clrMapOvr>
+    <a:masterClrMapping/>
+  </p:clrMapOvr>
+</p:sld>
+</file>
+
+<file path=ppt/slides/slide11.xml><?xml version="1.0" encoding="utf-8"?>
+<p:sld xmlns:a="http://schemas.openxmlformats.org/drawingml/2006/main" xmlns:r="http://schemas.openxmlformats.org/officeDocument/2006/relationships" xmlns:p="http://schemas.openxmlformats.org/presentationml/2006/main">
+  <p:cSld>
+    <p:spTree>
+      <p:nvGrpSpPr>
+        <p:cNvPr id="1" name=""/>
+        <p:cNvGrpSpPr/>
+        <p:nvPr/>
+      </p:nvGrpSpPr>
+      <p:grpSpPr>
+        <a:xfrm>
+          <a:off x="0" y="0"/>
+          <a:ext cx="0" cy="0"/>
+          <a:chOff x="0" y="0"/>
+          <a:chExt cx="0" cy="0"/>
+        </a:xfrm>
+      </p:grpSpPr>
+      <p:sp>
+        <p:nvSpPr>
+          <p:cNvPr id="2" name="CustomShape 1"/>
+          <p:cNvSpPr/>
+          <p:nvPr/>
+        </p:nvSpPr>
+        <p:spPr>
+          <a:xfrm>
+            <a:off x="762000" y="2438400"/>
+            <a:ext cx="7391400" cy="1066800"/>
+          </a:xfrm>
+          <a:prstGeom prst="rect">
+            <a:avLst/>
+          </a:prstGeom>
+          <a:noFill/>
+          <a:ln>
+            <a:noFill/>
+          </a:ln>
+        </p:spPr>
+        <p:txBody>
+          <a:bodyPr lIns="90000" tIns="45000" rIns="90000" bIns="45000" anchor="b"/>
+          <a:lstStyle/>
+          <a:p>
+            <a:pPr>
+              <a:lnSpc>
+                <a:spcPct val="100000"/>
+              </a:lnSpc>
+            </a:pPr>
+            <a:r>
+              <a:rPr lang="es-EC" sz="5400" dirty="0" smtClean="0">
+                <a:solidFill>
+                  <a:srgbClr val="FFFFFF"/>
+                </a:solidFill>
+                <a:latin typeface="Book Antiqua"/>
+              </a:rPr>
+              <a:t>Direccionamiento </a:t>
+            </a:r>
+            <a:r>
+              <a:rPr lang="es-EC" sz="5400" dirty="0" err="1" smtClean="0">
+                <a:solidFill>
+                  <a:srgbClr val="FFFFFF"/>
+                </a:solidFill>
+                <a:latin typeface="Book Antiqua"/>
+              </a:rPr>
+              <a:t>Ip</a:t>
+            </a:r>
+            <a:endParaRPr dirty="0"/>
+          </a:p>
+        </p:txBody>
+      </p:sp>
+    </p:spTree>
+    <p:extLst>
+      <p:ext uri="{BB962C8B-B14F-4D97-AF65-F5344CB8AC3E}">
+        <p14:creationId xmlns:p14="http://schemas.microsoft.com/office/powerpoint/2010/main" val="3727273393"/>
+      </p:ext>
+    </p:extLst>
+  </p:cSld>
+  <p:clrMapOvr>
+    <a:masterClrMapping/>
+  </p:clrMapOvr>
+</p:sld>
+</file>
+
+<file path=ppt/slides/slide2.xml><?xml version="1.0" encoding="utf-8"?>
+<p:sld xmlns:a="http://schemas.openxmlformats.org/drawingml/2006/main" xmlns:r="http://schemas.openxmlformats.org/officeDocument/2006/relationships" xmlns:p="http://schemas.openxmlformats.org/presentationml/2006/main">
+  <p:cSld>
+    <p:spTree>
+      <p:nvGrpSpPr>
+        <p:cNvPr id="1" name=""/>
+        <p:cNvGrpSpPr/>
+        <p:nvPr/>
+      </p:nvGrpSpPr>
+      <p:grpSpPr>
+        <a:xfrm>
+          <a:off x="0" y="0"/>
+          <a:ext cx="0" cy="0"/>
+          <a:chOff x="0" y="0"/>
+          <a:chExt cx="0" cy="0"/>
+        </a:xfrm>
+      </p:grpSpPr>
+      <p:sp>
+        <p:nvSpPr>
           <p:cNvPr id="2" name="1 CuadroTexto"/>
           <p:cNvSpPr txBox="1"/>
           <p:nvPr/>
@@ -3147,7 +3296,7 @@
         <p:spPr>
           <a:xfrm>
             <a:off x="304800" y="228600"/>
-            <a:ext cx="8610600" cy="707886"/>
+            <a:ext cx="6096000" cy="6740307"/>
           </a:xfrm>
           <a:prstGeom prst="rect">
             <a:avLst/>
@@ -3160,10 +3309,172 @@
           </a:bodyPr>
           <a:lstStyle/>
           <a:p>
-            <a:r>
-              <a:rPr lang="es-ES" sz="4000" dirty="0"/>
-              <a:t>Filtros de fecha en Excel</a:t>
-            </a:r>
+            <a:pPr marL="285750" indent="-285750">
+              <a:buFont typeface="Arial" pitchFamily="34" charset="0"/>
+              <a:buChar char="•"/>
+            </a:pPr>
+            <a:r>
+              <a:rPr lang="es-ES" sz="2400" dirty="0"/>
+              <a:t>Las redes de datos se desarrollaron como consecuencia de aplicaciones comerciales </a:t>
+            </a:r>
+            <a:r>
+              <a:rPr lang="es-ES" sz="2400" dirty="0" smtClean="0"/>
+              <a:t>diseñadas.</a:t>
+            </a:r>
+          </a:p>
+          <a:p>
+            <a:pPr marL="285750" indent="-285750">
+              <a:buFont typeface="Arial" pitchFamily="34" charset="0"/>
+              <a:buChar char="•"/>
+            </a:pPr>
+            <a:r>
+              <a:rPr lang="es-ES" sz="2400" dirty="0" smtClean="0"/>
+              <a:t>El </a:t>
+            </a:r>
+            <a:r>
+              <a:rPr lang="es-ES" sz="2400" dirty="0"/>
+              <a:t>uso de disquetes para compartir datos no </a:t>
+            </a:r>
+            <a:r>
+              <a:rPr lang="es-ES" sz="2400" dirty="0" smtClean="0"/>
+              <a:t>era un </a:t>
+            </a:r>
+            <a:r>
+              <a:rPr lang="es-ES" sz="2400" dirty="0"/>
+              <a:t>método eficaz ni económico para desarrollar la actividad </a:t>
+            </a:r>
+            <a:r>
+              <a:rPr lang="es-ES" sz="2400" dirty="0" smtClean="0"/>
+              <a:t>empresarial.</a:t>
+            </a:r>
+          </a:p>
+          <a:p>
+            <a:pPr marL="285750" indent="-285750">
+              <a:buFont typeface="Arial" pitchFamily="34" charset="0"/>
+              <a:buChar char="•"/>
+            </a:pPr>
+            <a:r>
+              <a:rPr lang="es-ES" sz="2400" dirty="0"/>
+              <a:t>La red a pie creaba </a:t>
+            </a:r>
+            <a:r>
+              <a:rPr lang="es-ES" sz="2400" dirty="0" smtClean="0"/>
+              <a:t>copias múltiples </a:t>
+            </a:r>
+            <a:r>
+              <a:rPr lang="es-ES" sz="2400" dirty="0"/>
+              <a:t>de los </a:t>
+            </a:r>
+            <a:r>
+              <a:rPr lang="es-ES" sz="2400" dirty="0" smtClean="0"/>
+              <a:t>datos.</a:t>
+            </a:r>
+          </a:p>
+          <a:p>
+            <a:pPr marL="285750" indent="-285750">
+              <a:buFont typeface="Arial" pitchFamily="34" charset="0"/>
+              <a:buChar char="•"/>
+            </a:pPr>
+            <a:endParaRPr lang="en-US" sz="2400" dirty="0"/>
+          </a:p>
+          <a:p>
+            <a:pPr marL="285750" indent="-285750">
+              <a:buFont typeface="Arial" pitchFamily="34" charset="0"/>
+              <a:buChar char="•"/>
+            </a:pPr>
+            <a:r>
+              <a:rPr lang="en-US" sz="2400" dirty="0" err="1" smtClean="0"/>
+              <a:t>Habia</a:t>
+            </a:r>
+            <a:r>
+              <a:rPr lang="en-US" sz="2400" dirty="0" smtClean="0"/>
+              <a:t> </a:t>
+            </a:r>
+            <a:r>
+              <a:rPr lang="en-US" sz="2400" dirty="0" err="1" smtClean="0"/>
+              <a:t>que</a:t>
+            </a:r>
+            <a:r>
+              <a:rPr lang="en-US" sz="2400" dirty="0" smtClean="0"/>
+              <a:t> </a:t>
+            </a:r>
+            <a:r>
+              <a:rPr lang="en-US" sz="2400" dirty="0" err="1" smtClean="0"/>
+              <a:t>solucionar</a:t>
+            </a:r>
+            <a:r>
+              <a:rPr lang="en-US" sz="2400" dirty="0" smtClean="0"/>
+              <a:t> los </a:t>
+            </a:r>
+            <a:r>
+              <a:rPr lang="en-US" sz="2400" dirty="0" err="1" smtClean="0"/>
+              <a:t>siguientes</a:t>
+            </a:r>
+            <a:r>
+              <a:rPr lang="en-US" sz="2400" dirty="0" smtClean="0"/>
+              <a:t> </a:t>
+            </a:r>
+            <a:r>
+              <a:rPr lang="en-US" sz="2400" dirty="0" err="1" smtClean="0"/>
+              <a:t>problemas</a:t>
+            </a:r>
+            <a:r>
+              <a:rPr lang="en-US" sz="2400" dirty="0" smtClean="0"/>
+              <a:t>:</a:t>
+            </a:r>
+          </a:p>
+          <a:p>
+            <a:pPr marL="285750" indent="-285750">
+              <a:buFont typeface="Arial" pitchFamily="34" charset="0"/>
+              <a:buChar char="•"/>
+            </a:pPr>
+            <a:endParaRPr lang="en-US" sz="2400" dirty="0"/>
+          </a:p>
+          <a:p>
+            <a:pPr marL="742950" lvl="1" indent="-285750">
+              <a:buFont typeface="Arial" pitchFamily="34" charset="0"/>
+              <a:buChar char="•"/>
+            </a:pPr>
+            <a:r>
+              <a:rPr lang="es-ES" sz="2400" dirty="0"/>
+              <a:t>Cómo evitar la duplicación de equipos informáticos y de otros </a:t>
+            </a:r>
+            <a:r>
+              <a:rPr lang="es-ES" sz="2400" dirty="0" smtClean="0"/>
+              <a:t>recursos</a:t>
+            </a:r>
+          </a:p>
+          <a:p>
+            <a:pPr marL="742950" lvl="1" indent="-285750">
+              <a:buFont typeface="Arial" pitchFamily="34" charset="0"/>
+              <a:buChar char="•"/>
+            </a:pPr>
+            <a:r>
+              <a:rPr lang="es-ES" sz="2400" dirty="0"/>
+              <a:t>Cómo comunicarse con </a:t>
+            </a:r>
+            <a:r>
+              <a:rPr lang="es-ES" sz="2400" dirty="0" smtClean="0"/>
+              <a:t>eficiencia</a:t>
+            </a:r>
+          </a:p>
+          <a:p>
+            <a:pPr marL="742950" lvl="1" indent="-285750">
+              <a:buFont typeface="Arial" pitchFamily="34" charset="0"/>
+              <a:buChar char="•"/>
+            </a:pPr>
+            <a:r>
+              <a:rPr lang="es-ES" sz="2400" dirty="0"/>
+              <a:t>Cómo configurar y administrar una red</a:t>
+            </a:r>
+            <a:endParaRPr lang="es-ES" sz="2400" dirty="0" smtClean="0"/>
+          </a:p>
+          <a:p>
+            <a:pPr marL="285750" indent="-285750">
+              <a:buFont typeface="Arial" pitchFamily="34" charset="0"/>
+              <a:buChar char="•"/>
+            </a:pPr>
+            <a:endParaRPr lang="es-ES" sz="2400" dirty="0"/>
           </a:p>
         </p:txBody>
       </p:sp>
@@ -3190,8 +3501,8 @@
         </p:blipFill>
         <p:spPr bwMode="auto">
           <a:xfrm>
-            <a:off x="723900" y="1066800"/>
-            <a:ext cx="7772400" cy="5562600"/>
+            <a:off x="6400800" y="838200"/>
+            <a:ext cx="2620228" cy="5257800"/>
           </a:xfrm>
           <a:prstGeom prst="rect">
             <a:avLst/>
@@ -3234,24 +3545,17 @@
     </p:spTree>
     <p:extLst>
       <p:ext uri="{BB962C8B-B14F-4D97-AF65-F5344CB8AC3E}">
-        <p14:creationId xmlns:p14="http://schemas.microsoft.com/office/powerpoint/2010/main" val="1062292898"/>
+        <p14:creationId xmlns:p14="http://schemas.microsoft.com/office/powerpoint/2010/main" val="395977059"/>
       </p:ext>
     </p:extLst>
   </p:cSld>
   <p:clrMapOvr>
     <a:masterClrMapping/>
   </p:clrMapOvr>
-  <p:timing>
-    <p:tnLst>
-      <p:par>
-        <p:cTn id="1" dur="indefinite" restart="never" nodeType="tmRoot"/>
-      </p:par>
-    </p:tnLst>
-  </p:timing>
 </p:sld>
 </file>
 
-<file path=ppt/slides/slide11.xml><?xml version="1.0" encoding="utf-8"?>
+<file path=ppt/slides/slide3.xml><?xml version="1.0" encoding="utf-8"?>
 <p:sld xmlns:a="http://schemas.openxmlformats.org/drawingml/2006/main" xmlns:r="http://schemas.openxmlformats.org/officeDocument/2006/relationships" xmlns:p="http://schemas.openxmlformats.org/presentationml/2006/main">
   <p:cSld>
     <p:spTree>
@@ -3277,7 +3581,7 @@
         <p:spPr>
           <a:xfrm>
             <a:off x="304800" y="228600"/>
-            <a:ext cx="8610600" cy="707886"/>
+            <a:ext cx="8382000" cy="3046988"/>
           </a:xfrm>
           <a:prstGeom prst="rect">
             <a:avLst/>
@@ -3290,10 +3594,85 @@
           </a:bodyPr>
           <a:lstStyle/>
           <a:p>
-            <a:r>
-              <a:rPr lang="es-ES" sz="4000" dirty="0"/>
-              <a:t>Filtrar por color en Excel</a:t>
-            </a:r>
+            <a:pPr marL="342900" indent="-342900">
+              <a:buFont typeface="Arial" pitchFamily="34" charset="0"/>
+              <a:buChar char="•"/>
+            </a:pPr>
+            <a:r>
+              <a:rPr lang="es-ES" sz="2400" dirty="0" smtClean="0"/>
+              <a:t>Muchas </a:t>
+            </a:r>
+            <a:r>
+              <a:rPr lang="es-ES" sz="2400" dirty="0"/>
+              <a:t>de las nuevas </a:t>
+            </a:r>
+            <a:r>
+              <a:rPr lang="es-ES" sz="2400" dirty="0" smtClean="0"/>
+              <a:t>tecnologías no </a:t>
+            </a:r>
+            <a:r>
+              <a:rPr lang="es-ES" sz="2400" dirty="0"/>
+              <a:t>eran compatibles entre </a:t>
+            </a:r>
+            <a:r>
+              <a:rPr lang="es-ES" sz="2400" dirty="0" smtClean="0"/>
+              <a:t>sí.</a:t>
+            </a:r>
+          </a:p>
+          <a:p>
+            <a:pPr marL="342900" indent="-342900">
+              <a:buFont typeface="Arial" pitchFamily="34" charset="0"/>
+              <a:buChar char="•"/>
+            </a:pPr>
+            <a:r>
+              <a:rPr lang="en-US" sz="2400" dirty="0" err="1" smtClean="0"/>
+              <a:t>Surgio</a:t>
+            </a:r>
+            <a:r>
+              <a:rPr lang="en-US" sz="2400" dirty="0" smtClean="0"/>
+              <a:t> </a:t>
+            </a:r>
+            <a:r>
+              <a:rPr lang="es-ES" sz="2400" dirty="0"/>
+              <a:t>la creación de los estándares de Red de área </a:t>
+            </a:r>
+            <a:r>
+              <a:rPr lang="es-ES" sz="2400" dirty="0" smtClean="0"/>
+              <a:t>local.</a:t>
+            </a:r>
+          </a:p>
+          <a:p>
+            <a:pPr marL="342900" indent="-342900">
+              <a:buFont typeface="Arial" pitchFamily="34" charset="0"/>
+              <a:buChar char="•"/>
+            </a:pPr>
+            <a:r>
+              <a:rPr lang="es-ES" sz="2400" dirty="0" smtClean="0"/>
+              <a:t>se </a:t>
+            </a:r>
+            <a:r>
+              <a:rPr lang="es-ES" sz="2400" dirty="0"/>
+              <a:t>podrían compatibilizar los equipos provenientes de </a:t>
+            </a:r>
+            <a:r>
+              <a:rPr lang="es-ES" sz="2400" dirty="0" smtClean="0"/>
+              <a:t>diferentes empresas</a:t>
+            </a:r>
+            <a:r>
+              <a:rPr lang="es-ES" sz="2400" dirty="0"/>
+              <a:t>. Esto permitía la estabilidad en la implementación de las </a:t>
+            </a:r>
+            <a:r>
+              <a:rPr lang="es-ES" sz="2400" dirty="0" smtClean="0"/>
+              <a:t>LAN.</a:t>
+            </a:r>
+          </a:p>
+          <a:p>
+            <a:pPr marL="285750" indent="-285750">
+              <a:buFont typeface="Arial" pitchFamily="34" charset="0"/>
+              <a:buChar char="•"/>
+            </a:pPr>
+            <a:endParaRPr lang="es-ES" sz="2400" dirty="0"/>
           </a:p>
         </p:txBody>
       </p:sp>
@@ -3320,8 +3699,8 @@
         </p:blipFill>
         <p:spPr bwMode="auto">
           <a:xfrm>
-            <a:off x="609600" y="1327601"/>
-            <a:ext cx="7620000" cy="4615999"/>
+            <a:off x="1600200" y="3275588"/>
+            <a:ext cx="6096000" cy="3048000"/>
           </a:xfrm>
           <a:prstGeom prst="rect">
             <a:avLst/>
@@ -3364,1199 +3743,13 @@
     </p:spTree>
     <p:extLst>
       <p:ext uri="{BB962C8B-B14F-4D97-AF65-F5344CB8AC3E}">
-        <p14:creationId xmlns:p14="http://schemas.microsoft.com/office/powerpoint/2010/main" val="288460670"/>
+        <p14:creationId xmlns:p14="http://schemas.microsoft.com/office/powerpoint/2010/main" val="848809456"/>
       </p:ext>
     </p:extLst>
   </p:cSld>
   <p:clrMapOvr>
     <a:masterClrMapping/>
   </p:clrMapOvr>
-  <p:timing>
-    <p:tnLst>
-      <p:par>
-        <p:cTn id="1" dur="indefinite" restart="never" nodeType="tmRoot"/>
-      </p:par>
-    </p:tnLst>
-  </p:timing>
-</p:sld>
-</file>
-
-<file path=ppt/slides/slide12.xml><?xml version="1.0" encoding="utf-8"?>
-<p:sld xmlns:a="http://schemas.openxmlformats.org/drawingml/2006/main" xmlns:r="http://schemas.openxmlformats.org/officeDocument/2006/relationships" xmlns:p="http://schemas.openxmlformats.org/presentationml/2006/main">
-  <p:cSld>
-    <p:spTree>
-      <p:nvGrpSpPr>
-        <p:cNvPr id="1" name=""/>
-        <p:cNvGrpSpPr/>
-        <p:nvPr/>
-      </p:nvGrpSpPr>
-      <p:grpSpPr>
-        <a:xfrm>
-          <a:off x="0" y="0"/>
-          <a:ext cx="0" cy="0"/>
-          <a:chOff x="0" y="0"/>
-          <a:chExt cx="0" cy="0"/>
-        </a:xfrm>
-      </p:grpSpPr>
-      <p:sp>
-        <p:nvSpPr>
-          <p:cNvPr id="2" name="1 CuadroTexto"/>
-          <p:cNvSpPr txBox="1"/>
-          <p:nvPr/>
-        </p:nvSpPr>
-        <p:spPr>
-          <a:xfrm>
-            <a:off x="3200400" y="2666999"/>
-            <a:ext cx="3962400" cy="1015663"/>
-          </a:xfrm>
-          <a:prstGeom prst="rect">
-            <a:avLst/>
-          </a:prstGeom>
-          <a:noFill/>
-        </p:spPr>
-        <p:txBody>
-          <a:bodyPr wrap="square" rtlCol="0">
-            <a:spAutoFit/>
-          </a:bodyPr>
-          <a:lstStyle/>
-          <a:p>
-            <a:r>
-              <a:rPr lang="en-US" sz="6000" dirty="0" err="1" smtClean="0"/>
-              <a:t>Practica</a:t>
-            </a:r>
-            <a:endParaRPr lang="es-ES" sz="6000" dirty="0"/>
-          </a:p>
-        </p:txBody>
-      </p:sp>
-    </p:spTree>
-    <p:extLst>
-      <p:ext uri="{BB962C8B-B14F-4D97-AF65-F5344CB8AC3E}">
-        <p14:creationId xmlns:p14="http://schemas.microsoft.com/office/powerpoint/2010/main" val="549437616"/>
-      </p:ext>
-    </p:extLst>
-  </p:cSld>
-  <p:clrMapOvr>
-    <a:masterClrMapping/>
-  </p:clrMapOvr>
-  <p:timing>
-    <p:tnLst>
-      <p:par>
-        <p:cTn id="1" dur="indefinite" restart="never" nodeType="tmRoot"/>
-      </p:par>
-    </p:tnLst>
-  </p:timing>
-</p:sld>
-</file>
-
-<file path=ppt/slides/slide13.xml><?xml version="1.0" encoding="utf-8"?>
-<p:sld xmlns:a="http://schemas.openxmlformats.org/drawingml/2006/main" xmlns:r="http://schemas.openxmlformats.org/officeDocument/2006/relationships" xmlns:p="http://schemas.openxmlformats.org/presentationml/2006/main">
-  <p:cSld>
-    <p:spTree>
-      <p:nvGrpSpPr>
-        <p:cNvPr id="1" name=""/>
-        <p:cNvGrpSpPr/>
-        <p:nvPr/>
-      </p:nvGrpSpPr>
-      <p:grpSpPr>
-        <a:xfrm>
-          <a:off x="0" y="0"/>
-          <a:ext cx="0" cy="0"/>
-          <a:chOff x="0" y="0"/>
-          <a:chExt cx="0" cy="0"/>
-        </a:xfrm>
-      </p:grpSpPr>
-      <p:sp>
-        <p:nvSpPr>
-          <p:cNvPr id="2" name="1 CuadroTexto"/>
-          <p:cNvSpPr txBox="1"/>
-          <p:nvPr/>
-        </p:nvSpPr>
-        <p:spPr>
-          <a:xfrm>
-            <a:off x="685800" y="381000"/>
-            <a:ext cx="8001000" cy="5078313"/>
-          </a:xfrm>
-          <a:prstGeom prst="rect">
-            <a:avLst/>
-          </a:prstGeom>
-          <a:noFill/>
-        </p:spPr>
-        <p:txBody>
-          <a:bodyPr wrap="square" rtlCol="0">
-            <a:spAutoFit/>
-          </a:bodyPr>
-          <a:lstStyle/>
-          <a:p>
-            <a:pPr marL="342900" indent="-342900">
-              <a:buAutoNum type="arabicParenR"/>
-            </a:pPr>
-            <a:r>
-              <a:rPr lang="en-US" dirty="0" err="1" smtClean="0"/>
-              <a:t>Realizar</a:t>
-            </a:r>
-            <a:r>
-              <a:rPr lang="en-US" dirty="0" smtClean="0"/>
-              <a:t> un </a:t>
-            </a:r>
-            <a:r>
-              <a:rPr lang="en-US" dirty="0" err="1" smtClean="0"/>
-              <a:t>filtro</a:t>
-            </a:r>
-            <a:r>
-              <a:rPr lang="en-US" dirty="0" smtClean="0"/>
-              <a:t> </a:t>
-            </a:r>
-            <a:r>
-              <a:rPr lang="en-US" dirty="0" err="1" smtClean="0"/>
-              <a:t>por</a:t>
-            </a:r>
-            <a:r>
-              <a:rPr lang="en-US" dirty="0" smtClean="0"/>
-              <a:t> </a:t>
-            </a:r>
-            <a:r>
-              <a:rPr lang="en-US" dirty="0" err="1" smtClean="0"/>
-              <a:t>apellido</a:t>
-            </a:r>
-            <a:r>
-              <a:rPr lang="en-US" dirty="0"/>
-              <a:t> </a:t>
-            </a:r>
-            <a:r>
-              <a:rPr lang="en-US" dirty="0" smtClean="0"/>
-              <a:t>Leon.</a:t>
-            </a:r>
-          </a:p>
-          <a:p>
-            <a:pPr marL="342900" indent="-342900">
-              <a:buAutoNum type="arabicParenR"/>
-            </a:pPr>
-            <a:r>
-              <a:rPr lang="en-US" dirty="0" err="1" smtClean="0"/>
-              <a:t>Filtrar</a:t>
-            </a:r>
-            <a:r>
-              <a:rPr lang="en-US" dirty="0" smtClean="0"/>
-              <a:t> </a:t>
-            </a:r>
-            <a:r>
-              <a:rPr lang="en-US" dirty="0" err="1" smtClean="0"/>
-              <a:t>por</a:t>
-            </a:r>
-            <a:r>
-              <a:rPr lang="en-US" dirty="0" smtClean="0"/>
-              <a:t> </a:t>
-            </a:r>
-            <a:r>
-              <a:rPr lang="en-US" dirty="0" err="1" smtClean="0"/>
-              <a:t>nombre</a:t>
-            </a:r>
-            <a:r>
-              <a:rPr lang="en-US" dirty="0" smtClean="0"/>
-              <a:t> de la persona, </a:t>
-            </a:r>
-            <a:r>
-              <a:rPr lang="en-US" dirty="0" err="1" smtClean="0"/>
-              <a:t>que</a:t>
-            </a:r>
-            <a:r>
-              <a:rPr lang="en-US" dirty="0" smtClean="0"/>
-              <a:t> </a:t>
-            </a:r>
-            <a:r>
-              <a:rPr lang="en-US" dirty="0" err="1" smtClean="0"/>
-              <a:t>contengan</a:t>
-            </a:r>
-            <a:r>
-              <a:rPr lang="en-US" dirty="0" smtClean="0"/>
-              <a:t> la </a:t>
-            </a:r>
-            <a:r>
-              <a:rPr lang="en-US" dirty="0" err="1" smtClean="0"/>
-              <a:t>palabra</a:t>
-            </a:r>
-            <a:r>
-              <a:rPr lang="en-US" dirty="0" smtClean="0"/>
-              <a:t> “en”.</a:t>
-            </a:r>
-          </a:p>
-          <a:p>
-            <a:pPr marL="342900" indent="-342900">
-              <a:buFontTx/>
-              <a:buAutoNum type="arabicParenR"/>
-            </a:pPr>
-            <a:r>
-              <a:rPr lang="en-US" dirty="0" err="1"/>
-              <a:t>Filtrar</a:t>
-            </a:r>
-            <a:r>
-              <a:rPr lang="en-US" dirty="0"/>
-              <a:t> </a:t>
-            </a:r>
-            <a:r>
-              <a:rPr lang="en-US" dirty="0" err="1"/>
-              <a:t>por</a:t>
-            </a:r>
-            <a:r>
-              <a:rPr lang="en-US" dirty="0"/>
-              <a:t> </a:t>
-            </a:r>
-            <a:r>
-              <a:rPr lang="en-US" dirty="0" err="1" smtClean="0"/>
-              <a:t>numero</a:t>
-            </a:r>
-            <a:r>
-              <a:rPr lang="en-US" dirty="0" smtClean="0"/>
-              <a:t> </a:t>
-            </a:r>
-            <a:r>
-              <a:rPr lang="en-US" dirty="0" err="1" smtClean="0"/>
-              <a:t>telefonico</a:t>
-            </a:r>
-            <a:r>
-              <a:rPr lang="en-US" dirty="0" smtClean="0"/>
-              <a:t>, </a:t>
-            </a:r>
-            <a:r>
-              <a:rPr lang="en-US" dirty="0" err="1"/>
-              <a:t>que</a:t>
-            </a:r>
-            <a:r>
-              <a:rPr lang="en-US" dirty="0"/>
-              <a:t> </a:t>
-            </a:r>
-            <a:r>
-              <a:rPr lang="en-US" dirty="0" err="1"/>
-              <a:t>contengan</a:t>
-            </a:r>
-            <a:r>
-              <a:rPr lang="en-US" dirty="0"/>
-              <a:t> </a:t>
-            </a:r>
-            <a:r>
-              <a:rPr lang="en-US" dirty="0" smtClean="0"/>
-              <a:t>el </a:t>
-            </a:r>
-            <a:r>
-              <a:rPr lang="en-US" dirty="0" err="1" smtClean="0"/>
-              <a:t>numero</a:t>
-            </a:r>
-            <a:r>
-              <a:rPr lang="en-US" dirty="0" smtClean="0"/>
-              <a:t> 45 entre </a:t>
-            </a:r>
-            <a:r>
-              <a:rPr lang="en-US" dirty="0" err="1" smtClean="0"/>
-              <a:t>sus</a:t>
-            </a:r>
-            <a:r>
-              <a:rPr lang="en-US" dirty="0" smtClean="0"/>
-              <a:t> </a:t>
-            </a:r>
-            <a:r>
-              <a:rPr lang="en-US" dirty="0" err="1" smtClean="0"/>
-              <a:t>digitos</a:t>
-            </a:r>
-            <a:r>
-              <a:rPr lang="en-US" dirty="0" smtClean="0"/>
-              <a:t>.</a:t>
-            </a:r>
-          </a:p>
-          <a:p>
-            <a:pPr marL="342900" indent="-342900">
-              <a:buFontTx/>
-              <a:buAutoNum type="arabicParenR"/>
-            </a:pPr>
-            <a:r>
-              <a:rPr lang="en-US" dirty="0" err="1" smtClean="0"/>
-              <a:t>Filtrar</a:t>
-            </a:r>
-            <a:r>
-              <a:rPr lang="en-US" dirty="0" smtClean="0"/>
-              <a:t> </a:t>
-            </a:r>
-            <a:r>
-              <a:rPr lang="en-US" dirty="0" err="1" smtClean="0"/>
-              <a:t>por</a:t>
-            </a:r>
-            <a:r>
-              <a:rPr lang="en-US" dirty="0" smtClean="0"/>
-              <a:t> </a:t>
-            </a:r>
-            <a:r>
-              <a:rPr lang="en-US" dirty="0" err="1" smtClean="0"/>
-              <a:t>edad</a:t>
-            </a:r>
-            <a:r>
-              <a:rPr lang="en-US" dirty="0" smtClean="0"/>
-              <a:t>, entre 21 y 28.</a:t>
-            </a:r>
-          </a:p>
-          <a:p>
-            <a:pPr marL="342900" indent="-342900">
-              <a:buFontTx/>
-              <a:buAutoNum type="arabicParenR"/>
-            </a:pPr>
-            <a:r>
-              <a:rPr lang="en-US" dirty="0" err="1" smtClean="0"/>
-              <a:t>Filtrar</a:t>
-            </a:r>
-            <a:r>
-              <a:rPr lang="en-US" dirty="0" smtClean="0"/>
-              <a:t> </a:t>
-            </a:r>
-            <a:r>
-              <a:rPr lang="en-US" dirty="0" err="1" smtClean="0"/>
-              <a:t>por</a:t>
-            </a:r>
-            <a:r>
-              <a:rPr lang="en-US" dirty="0" smtClean="0"/>
-              <a:t> </a:t>
-            </a:r>
-            <a:r>
-              <a:rPr lang="en-US" dirty="0" err="1" smtClean="0"/>
-              <a:t>fecha</a:t>
-            </a:r>
-            <a:r>
-              <a:rPr lang="en-US" dirty="0" smtClean="0"/>
-              <a:t> de </a:t>
-            </a:r>
-            <a:r>
-              <a:rPr lang="en-US" dirty="0" err="1" smtClean="0"/>
-              <a:t>nacimiento</a:t>
-            </a:r>
-            <a:r>
-              <a:rPr lang="en-US" dirty="0" smtClean="0"/>
-              <a:t>, entre 1987-05-05 y 1994-02-01</a:t>
-            </a:r>
-          </a:p>
-          <a:p>
-            <a:pPr marL="342900" indent="-342900">
-              <a:buFontTx/>
-              <a:buAutoNum type="arabicParenR"/>
-            </a:pPr>
-            <a:r>
-              <a:rPr lang="en-US" dirty="0" err="1" smtClean="0"/>
-              <a:t>Realizar</a:t>
-            </a:r>
-            <a:r>
-              <a:rPr lang="en-US" dirty="0" smtClean="0"/>
-              <a:t> un </a:t>
-            </a:r>
-            <a:r>
-              <a:rPr lang="en-US" dirty="0" err="1" smtClean="0"/>
-              <a:t>formato</a:t>
-            </a:r>
-            <a:r>
-              <a:rPr lang="en-US" dirty="0" smtClean="0"/>
-              <a:t> </a:t>
-            </a:r>
-            <a:r>
-              <a:rPr lang="en-US" dirty="0" err="1" smtClean="0"/>
-              <a:t>condicional</a:t>
-            </a:r>
-            <a:r>
-              <a:rPr lang="en-US" dirty="0" smtClean="0"/>
-              <a:t> </a:t>
-            </a:r>
-            <a:r>
-              <a:rPr lang="en-US" dirty="0" err="1" smtClean="0"/>
-              <a:t>por</a:t>
-            </a:r>
-            <a:r>
-              <a:rPr lang="en-US" dirty="0" smtClean="0"/>
-              <a:t> </a:t>
-            </a:r>
-            <a:r>
-              <a:rPr lang="en-US" dirty="0" err="1" smtClean="0"/>
-              <a:t>encima</a:t>
-            </a:r>
-            <a:r>
-              <a:rPr lang="en-US" dirty="0" smtClean="0"/>
-              <a:t> del </a:t>
-            </a:r>
-            <a:r>
-              <a:rPr lang="en-US" dirty="0" err="1" smtClean="0"/>
-              <a:t>promedio</a:t>
-            </a:r>
-            <a:r>
-              <a:rPr lang="en-US" dirty="0" smtClean="0"/>
-              <a:t>.</a:t>
-            </a:r>
-          </a:p>
-          <a:p>
-            <a:pPr marL="342900" indent="-342900">
-              <a:buFontTx/>
-              <a:buAutoNum type="arabicParenR"/>
-            </a:pPr>
-            <a:r>
-              <a:rPr lang="en-US" dirty="0" err="1" smtClean="0"/>
-              <a:t>Realizar</a:t>
-            </a:r>
-            <a:r>
-              <a:rPr lang="en-US" dirty="0" smtClean="0"/>
-              <a:t> el </a:t>
-            </a:r>
-            <a:r>
-              <a:rPr lang="en-US" dirty="0" err="1" smtClean="0"/>
-              <a:t>filtro</a:t>
-            </a:r>
-            <a:r>
-              <a:rPr lang="en-US" dirty="0" smtClean="0"/>
-              <a:t> </a:t>
-            </a:r>
-            <a:r>
-              <a:rPr lang="en-US" dirty="0" err="1" smtClean="0"/>
-              <a:t>avanzado</a:t>
-            </a:r>
-            <a:r>
-              <a:rPr lang="en-US" dirty="0" smtClean="0"/>
-              <a:t> de </a:t>
-            </a:r>
-            <a:r>
-              <a:rPr lang="en-US" dirty="0" err="1" smtClean="0"/>
-              <a:t>las</a:t>
-            </a:r>
-            <a:r>
-              <a:rPr lang="en-US" dirty="0" smtClean="0"/>
-              <a:t> </a:t>
-            </a:r>
-            <a:r>
-              <a:rPr lang="en-US" dirty="0" err="1" smtClean="0"/>
-              <a:t>celdas</a:t>
-            </a:r>
-            <a:r>
-              <a:rPr lang="en-US" dirty="0" smtClean="0"/>
-              <a:t> en la parte </a:t>
-            </a:r>
-            <a:r>
-              <a:rPr lang="en-US" dirty="0" err="1" smtClean="0"/>
-              <a:t>derecha</a:t>
-            </a:r>
-            <a:r>
-              <a:rPr lang="en-US" dirty="0" smtClean="0"/>
-              <a:t>.</a:t>
-            </a:r>
-          </a:p>
-          <a:p>
-            <a:pPr marL="342900" indent="-342900">
-              <a:buFontTx/>
-              <a:buAutoNum type="arabicParenR"/>
-            </a:pPr>
-            <a:r>
-              <a:rPr lang="en-US" dirty="0" err="1" smtClean="0"/>
-              <a:t>Ordenar</a:t>
-            </a:r>
-            <a:r>
-              <a:rPr lang="en-US" dirty="0" smtClean="0"/>
-              <a:t> de </a:t>
-            </a:r>
-            <a:r>
-              <a:rPr lang="en-US" dirty="0" err="1" smtClean="0"/>
-              <a:t>manera</a:t>
-            </a:r>
-            <a:r>
-              <a:rPr lang="en-US" dirty="0" smtClean="0"/>
-              <a:t> de </a:t>
-            </a:r>
-            <a:r>
-              <a:rPr lang="en-US" dirty="0" err="1" smtClean="0"/>
-              <a:t>apellido</a:t>
-            </a:r>
-            <a:r>
-              <a:rPr lang="en-US" dirty="0" smtClean="0"/>
-              <a:t> </a:t>
-            </a:r>
-            <a:r>
-              <a:rPr lang="en-US" dirty="0" err="1" smtClean="0"/>
-              <a:t>ascendente</a:t>
-            </a:r>
-            <a:r>
-              <a:rPr lang="en-US" dirty="0" smtClean="0"/>
-              <a:t>.</a:t>
-            </a:r>
-          </a:p>
-          <a:p>
-            <a:endParaRPr lang="en-US" dirty="0"/>
-          </a:p>
-          <a:p>
-            <a:endParaRPr lang="en-US" dirty="0" smtClean="0"/>
-          </a:p>
-          <a:p>
-            <a:endParaRPr lang="en-US" dirty="0"/>
-          </a:p>
-          <a:p>
-            <a:r>
-              <a:rPr lang="en-US" dirty="0" err="1" smtClean="0"/>
-              <a:t>Enviar</a:t>
-            </a:r>
-            <a:r>
-              <a:rPr lang="en-US" dirty="0" smtClean="0"/>
-              <a:t> los </a:t>
-            </a:r>
-            <a:r>
-              <a:rPr lang="en-US" dirty="0" err="1" smtClean="0"/>
-              <a:t>datos</a:t>
-            </a:r>
-            <a:r>
-              <a:rPr lang="en-US" dirty="0" smtClean="0"/>
-              <a:t> </a:t>
-            </a:r>
-            <a:r>
-              <a:rPr lang="en-US" dirty="0" err="1" smtClean="0"/>
-              <a:t>filtrados</a:t>
-            </a:r>
-            <a:r>
-              <a:rPr lang="en-US" dirty="0" smtClean="0"/>
-              <a:t> </a:t>
-            </a:r>
-            <a:r>
-              <a:rPr lang="en-US" dirty="0" err="1" smtClean="0"/>
-              <a:t>por</a:t>
-            </a:r>
-            <a:r>
-              <a:rPr lang="en-US" dirty="0" smtClean="0"/>
-              <a:t> </a:t>
-            </a:r>
-            <a:r>
-              <a:rPr lang="en-US" dirty="0" err="1" smtClean="0"/>
-              <a:t>correo</a:t>
-            </a:r>
-            <a:r>
-              <a:rPr lang="en-US" dirty="0" smtClean="0"/>
-              <a:t>.</a:t>
-            </a:r>
-          </a:p>
-          <a:p>
-            <a:pPr marL="342900" indent="-342900">
-              <a:buFontTx/>
-              <a:buAutoNum type="arabicParenR"/>
-            </a:pPr>
-            <a:endParaRPr lang="en-US" dirty="0" smtClean="0"/>
-          </a:p>
-          <a:p>
-            <a:pPr marL="342900" indent="-342900">
-              <a:buFontTx/>
-              <a:buAutoNum type="arabicParenR"/>
-            </a:pPr>
-            <a:endParaRPr lang="en-US" dirty="0"/>
-          </a:p>
-          <a:p>
-            <a:pPr marL="342900" indent="-342900">
-              <a:buAutoNum type="arabicParenR"/>
-            </a:pPr>
-            <a:endParaRPr lang="en-US" dirty="0" smtClean="0"/>
-          </a:p>
-          <a:p>
-            <a:pPr marL="342900" indent="-342900">
-              <a:buAutoNum type="arabicParenR"/>
-            </a:pPr>
-            <a:endParaRPr lang="en-US" dirty="0" smtClean="0"/>
-          </a:p>
-          <a:p>
-            <a:pPr marL="342900" indent="-342900">
-              <a:buAutoNum type="arabicParenR"/>
-            </a:pPr>
-            <a:endParaRPr lang="es-ES" dirty="0"/>
-          </a:p>
-        </p:txBody>
-      </p:sp>
-    </p:spTree>
-    <p:extLst>
-      <p:ext uri="{BB962C8B-B14F-4D97-AF65-F5344CB8AC3E}">
-        <p14:creationId xmlns:p14="http://schemas.microsoft.com/office/powerpoint/2010/main" val="1121977055"/>
-      </p:ext>
-    </p:extLst>
-  </p:cSld>
-  <p:clrMapOvr>
-    <a:masterClrMapping/>
-  </p:clrMapOvr>
-  <p:timing>
-    <p:tnLst>
-      <p:par>
-        <p:cTn id="1" dur="indefinite" restart="never" nodeType="tmRoot"/>
-      </p:par>
-    </p:tnLst>
-  </p:timing>
-</p:sld>
-</file>
-
-<file path=ppt/slides/slide2.xml><?xml version="1.0" encoding="utf-8"?>
-<p:sld xmlns:a="http://schemas.openxmlformats.org/drawingml/2006/main" xmlns:r="http://schemas.openxmlformats.org/officeDocument/2006/relationships" xmlns:p="http://schemas.openxmlformats.org/presentationml/2006/main">
-  <p:cSld>
-    <p:spTree>
-      <p:nvGrpSpPr>
-        <p:cNvPr id="1" name=""/>
-        <p:cNvGrpSpPr/>
-        <p:nvPr/>
-      </p:nvGrpSpPr>
-      <p:grpSpPr>
-        <a:xfrm>
-          <a:off x="0" y="0"/>
-          <a:ext cx="0" cy="0"/>
-          <a:chOff x="0" y="0"/>
-          <a:chExt cx="0" cy="0"/>
-        </a:xfrm>
-      </p:grpSpPr>
-      <p:sp>
-        <p:nvSpPr>
-          <p:cNvPr id="4" name="3 CuadroTexto"/>
-          <p:cNvSpPr txBox="1"/>
-          <p:nvPr/>
-        </p:nvSpPr>
-        <p:spPr>
-          <a:xfrm>
-            <a:off x="457200" y="304800"/>
-            <a:ext cx="8382000" cy="1200329"/>
-          </a:xfrm>
-          <a:prstGeom prst="rect">
-            <a:avLst/>
-          </a:prstGeom>
-          <a:noFill/>
-        </p:spPr>
-        <p:txBody>
-          <a:bodyPr wrap="square" rtlCol="0">
-            <a:spAutoFit/>
-          </a:bodyPr>
-          <a:lstStyle/>
-          <a:p>
-            <a:r>
-              <a:rPr lang="es-ES" sz="2400" dirty="0"/>
-              <a:t>Para crear un filtro podemos utilizar el comando Filtro que </a:t>
-            </a:r>
-            <a:r>
-              <a:rPr lang="es-ES" sz="2400" dirty="0" smtClean="0"/>
-              <a:t>se encuentra </a:t>
-            </a:r>
-            <a:r>
-              <a:rPr lang="es-ES" sz="2400" dirty="0"/>
-              <a:t>en la ficha Datos dentro del grupo Ordenar </a:t>
-            </a:r>
-            <a:r>
-              <a:rPr lang="es-ES" sz="2400" dirty="0" smtClean="0"/>
-              <a:t>y filtrar.</a:t>
-            </a:r>
-          </a:p>
-        </p:txBody>
-      </p:sp>
-      <p:pic>
-        <p:nvPicPr>
-          <p:cNvPr id="5" name="4 Imagen"/>
-          <p:cNvPicPr>
-            <a:picLocks noChangeAspect="1"/>
-          </p:cNvPicPr>
-          <p:nvPr/>
-        </p:nvPicPr>
-        <p:blipFill>
-          <a:blip r:embed="rId2" cstate="print">
-            <a:extLst>
-              <a:ext uri="{28A0092B-C50C-407E-A947-70E740481C1C}">
-                <a14:useLocalDpi xmlns:a14="http://schemas.microsoft.com/office/drawing/2010/main" val="0"/>
-              </a:ext>
-            </a:extLst>
-          </a:blip>
-          <a:stretch>
-            <a:fillRect/>
-          </a:stretch>
-        </p:blipFill>
-        <p:spPr>
-          <a:xfrm>
-            <a:off x="609600" y="1600200"/>
-            <a:ext cx="7772400" cy="1295400"/>
-          </a:xfrm>
-          <a:prstGeom prst="rect">
-            <a:avLst/>
-          </a:prstGeom>
-        </p:spPr>
-      </p:pic>
-      <p:sp>
-        <p:nvSpPr>
-          <p:cNvPr id="6" name="2 Subtítulo"/>
-          <p:cNvSpPr>
-            <a:spLocks noGrp="1"/>
-          </p:cNvSpPr>
-          <p:nvPr>
-            <p:ph type="subTitle"/>
-          </p:nvPr>
-        </p:nvSpPr>
-        <p:spPr>
-          <a:xfrm>
-            <a:off x="457200" y="3048000"/>
-            <a:ext cx="8229240" cy="1447800"/>
-          </a:xfrm>
-        </p:spPr>
-        <p:txBody>
-          <a:bodyPr/>
-          <a:lstStyle/>
-          <a:p>
-            <a:r>
-              <a:rPr lang="en-US" sz="2400" dirty="0" err="1" smtClean="0"/>
-              <a:t>Otra</a:t>
-            </a:r>
-            <a:r>
-              <a:rPr lang="en-US" sz="2400" dirty="0" smtClean="0"/>
-              <a:t> forma de </a:t>
-            </a:r>
-            <a:r>
-              <a:rPr lang="en-US" sz="2400" dirty="0" err="1" smtClean="0"/>
-              <a:t>llegar</a:t>
-            </a:r>
-            <a:r>
-              <a:rPr lang="en-US" sz="2400" dirty="0" smtClean="0"/>
-              <a:t>  al </a:t>
-            </a:r>
-            <a:r>
-              <a:rPr lang="en-US" sz="2400" dirty="0" err="1" smtClean="0"/>
-              <a:t>filtro</a:t>
-            </a:r>
-            <a:r>
-              <a:rPr lang="en-US" sz="2400" dirty="0" smtClean="0"/>
-              <a:t> </a:t>
-            </a:r>
-            <a:r>
-              <a:rPr lang="en-US" sz="2400" dirty="0" err="1" smtClean="0"/>
-              <a:t>es</a:t>
-            </a:r>
-            <a:r>
-              <a:rPr lang="en-US" sz="2400" dirty="0" smtClean="0"/>
-              <a:t> </a:t>
-            </a:r>
-            <a:r>
-              <a:rPr lang="en-US" sz="2400" dirty="0" err="1" smtClean="0"/>
-              <a:t>por</a:t>
-            </a:r>
-            <a:r>
-              <a:rPr lang="en-US" sz="2400" dirty="0" smtClean="0"/>
-              <a:t> </a:t>
-            </a:r>
-            <a:r>
-              <a:rPr lang="en-US" sz="2400" dirty="0" err="1" smtClean="0"/>
-              <a:t>medio</a:t>
-            </a:r>
-            <a:r>
-              <a:rPr lang="en-US" sz="2400" dirty="0" smtClean="0"/>
-              <a:t> de </a:t>
-            </a:r>
-            <a:r>
-              <a:rPr lang="en-US" sz="2400" dirty="0" err="1" smtClean="0"/>
-              <a:t>inicio</a:t>
-            </a:r>
-            <a:r>
-              <a:rPr lang="en-US" sz="2400" dirty="0" smtClean="0"/>
-              <a:t>, y </a:t>
-            </a:r>
-            <a:r>
-              <a:rPr lang="en-US" sz="2400" dirty="0" err="1" smtClean="0"/>
-              <a:t>nos</a:t>
-            </a:r>
-            <a:r>
-              <a:rPr lang="en-US" sz="2400" dirty="0" smtClean="0"/>
-              <a:t> </a:t>
-            </a:r>
-            <a:r>
-              <a:rPr lang="en-US" sz="2400" dirty="0" err="1" smtClean="0"/>
-              <a:t>dirigimos</a:t>
-            </a:r>
-            <a:r>
-              <a:rPr lang="en-US" sz="2400" dirty="0" smtClean="0"/>
-              <a:t> al final </a:t>
-            </a:r>
-            <a:r>
-              <a:rPr lang="en-US" sz="2400" dirty="0" err="1" smtClean="0"/>
-              <a:t>presionando</a:t>
-            </a:r>
-            <a:r>
-              <a:rPr lang="en-US" sz="2400" dirty="0" smtClean="0"/>
-              <a:t> el </a:t>
-            </a:r>
-            <a:r>
-              <a:rPr lang="en-US" sz="2400" dirty="0" err="1" smtClean="0"/>
-              <a:t>icono</a:t>
-            </a:r>
-            <a:r>
-              <a:rPr lang="en-US" sz="2400" dirty="0" smtClean="0"/>
-              <a:t> </a:t>
-            </a:r>
-            <a:r>
-              <a:rPr lang="en-US" sz="2400" dirty="0" err="1" smtClean="0"/>
-              <a:t>que</a:t>
-            </a:r>
-            <a:r>
-              <a:rPr lang="en-US" sz="2400" dirty="0" smtClean="0"/>
-              <a:t> </a:t>
-            </a:r>
-            <a:r>
-              <a:rPr lang="en-US" sz="2400" dirty="0" err="1" smtClean="0"/>
-              <a:t>indica</a:t>
-            </a:r>
-            <a:r>
-              <a:rPr lang="en-US" sz="2400" dirty="0" smtClean="0"/>
-              <a:t>, </a:t>
-            </a:r>
-            <a:r>
-              <a:rPr lang="en-US" sz="2400" dirty="0" err="1" smtClean="0"/>
-              <a:t>ordenar</a:t>
-            </a:r>
-            <a:r>
-              <a:rPr lang="en-US" sz="2400" dirty="0" smtClean="0"/>
-              <a:t> y </a:t>
-            </a:r>
-            <a:r>
-              <a:rPr lang="en-US" sz="2400" dirty="0" err="1" smtClean="0"/>
-              <a:t>filtrar</a:t>
-            </a:r>
-            <a:r>
-              <a:rPr lang="en-US" sz="2400" dirty="0" smtClean="0"/>
-              <a:t>. Al </a:t>
-            </a:r>
-            <a:r>
-              <a:rPr lang="en-US" sz="2400" dirty="0" err="1" smtClean="0"/>
-              <a:t>presionar</a:t>
-            </a:r>
-            <a:r>
-              <a:rPr lang="en-US" sz="2400" dirty="0" smtClean="0"/>
-              <a:t> </a:t>
-            </a:r>
-            <a:r>
-              <a:rPr lang="en-US" sz="2400" dirty="0" err="1" smtClean="0"/>
-              <a:t>sobre</a:t>
-            </a:r>
-            <a:r>
-              <a:rPr lang="en-US" sz="2400" dirty="0" smtClean="0"/>
-              <a:t> el se </a:t>
-            </a:r>
-            <a:r>
-              <a:rPr lang="en-US" sz="2400" dirty="0" err="1" smtClean="0"/>
-              <a:t>presenta</a:t>
-            </a:r>
-            <a:r>
-              <a:rPr lang="en-US" sz="2400" dirty="0" smtClean="0"/>
-              <a:t> lo </a:t>
-            </a:r>
-            <a:r>
-              <a:rPr lang="en-US" sz="2400" dirty="0" err="1" smtClean="0"/>
-              <a:t>siguiente</a:t>
-            </a:r>
-            <a:r>
-              <a:rPr lang="en-US" sz="2400" dirty="0" smtClean="0"/>
-              <a:t>:</a:t>
-            </a:r>
-            <a:endParaRPr lang="es-ES" sz="2400" dirty="0"/>
-          </a:p>
-        </p:txBody>
-      </p:sp>
-      <p:pic>
-        <p:nvPicPr>
-          <p:cNvPr id="7" name="6 Imagen"/>
-          <p:cNvPicPr>
-            <a:picLocks noChangeAspect="1"/>
-          </p:cNvPicPr>
-          <p:nvPr/>
-        </p:nvPicPr>
-        <p:blipFill>
-          <a:blip r:embed="rId3">
-            <a:extLst>
-              <a:ext uri="{28A0092B-C50C-407E-A947-70E740481C1C}">
-                <a14:useLocalDpi xmlns:a14="http://schemas.microsoft.com/office/drawing/2010/main" val="0"/>
-              </a:ext>
-            </a:extLst>
-          </a:blip>
-          <a:stretch>
-            <a:fillRect/>
-          </a:stretch>
-        </p:blipFill>
-        <p:spPr>
-          <a:xfrm>
-            <a:off x="419100" y="4495800"/>
-            <a:ext cx="8153400" cy="2209800"/>
-          </a:xfrm>
-          <a:prstGeom prst="rect">
-            <a:avLst/>
-          </a:prstGeom>
-        </p:spPr>
-      </p:pic>
-    </p:spTree>
-    <p:extLst>
-      <p:ext uri="{BB962C8B-B14F-4D97-AF65-F5344CB8AC3E}">
-        <p14:creationId xmlns:p14="http://schemas.microsoft.com/office/powerpoint/2010/main" val="3133132111"/>
-      </p:ext>
-    </p:extLst>
-  </p:cSld>
-  <p:clrMapOvr>
-    <a:masterClrMapping/>
-  </p:clrMapOvr>
-  <p:timing>
-    <p:tnLst>
-      <p:par>
-        <p:cTn id="1" dur="indefinite" restart="never" nodeType="tmRoot"/>
-      </p:par>
-    </p:tnLst>
-  </p:timing>
-</p:sld>
-</file>
-
-<file path=ppt/slides/slide3.xml><?xml version="1.0" encoding="utf-8"?>
-<p:sld xmlns:a="http://schemas.openxmlformats.org/drawingml/2006/main" xmlns:r="http://schemas.openxmlformats.org/officeDocument/2006/relationships" xmlns:p="http://schemas.openxmlformats.org/presentationml/2006/main">
-  <p:cSld>
-    <p:spTree>
-      <p:nvGrpSpPr>
-        <p:cNvPr id="1" name=""/>
-        <p:cNvGrpSpPr/>
-        <p:nvPr/>
-      </p:nvGrpSpPr>
-      <p:grpSpPr>
-        <a:xfrm>
-          <a:off x="0" y="0"/>
-          <a:ext cx="0" cy="0"/>
-          <a:chOff x="0" y="0"/>
-          <a:chExt cx="0" cy="0"/>
-        </a:xfrm>
-      </p:grpSpPr>
-      <p:sp>
-        <p:nvSpPr>
-          <p:cNvPr id="6" name="5 CuadroTexto"/>
-          <p:cNvSpPr txBox="1"/>
-          <p:nvPr/>
-        </p:nvSpPr>
-        <p:spPr>
-          <a:xfrm>
-            <a:off x="304800" y="228600"/>
-            <a:ext cx="8610600" cy="1200329"/>
-          </a:xfrm>
-          <a:prstGeom prst="rect">
-            <a:avLst/>
-          </a:prstGeom>
-          <a:noFill/>
-        </p:spPr>
-        <p:txBody>
-          <a:bodyPr wrap="square" rtlCol="0">
-            <a:spAutoFit/>
-          </a:bodyPr>
-          <a:lstStyle/>
-          <a:p>
-            <a:r>
-              <a:rPr lang="en-US" sz="2400" dirty="0" smtClean="0"/>
-              <a:t>Si </a:t>
-            </a:r>
-            <a:r>
-              <a:rPr lang="en-US" sz="2400" dirty="0" err="1" smtClean="0"/>
-              <a:t>tenemos</a:t>
-            </a:r>
-            <a:r>
-              <a:rPr lang="en-US" sz="2400" dirty="0" smtClean="0"/>
-              <a:t> </a:t>
-            </a:r>
-            <a:r>
-              <a:rPr lang="en-US" sz="2400" dirty="0" err="1" smtClean="0"/>
-              <a:t>una</a:t>
-            </a:r>
-            <a:r>
-              <a:rPr lang="en-US" sz="2400" dirty="0" smtClean="0"/>
-              <a:t> </a:t>
-            </a:r>
-            <a:r>
-              <a:rPr lang="en-US" sz="2400" dirty="0" err="1" smtClean="0"/>
-              <a:t>matriz</a:t>
-            </a:r>
-            <a:r>
-              <a:rPr lang="en-US" sz="2400" dirty="0" smtClean="0"/>
-              <a:t> en excel, lo </a:t>
-            </a:r>
-            <a:r>
-              <a:rPr lang="en-US" sz="2400" dirty="0" err="1" smtClean="0"/>
-              <a:t>que</a:t>
-            </a:r>
-            <a:r>
-              <a:rPr lang="en-US" sz="2400" dirty="0" smtClean="0"/>
-              <a:t> </a:t>
-            </a:r>
-            <a:r>
-              <a:rPr lang="en-US" sz="2400" dirty="0" err="1" smtClean="0"/>
-              <a:t>tenemos</a:t>
-            </a:r>
-            <a:r>
-              <a:rPr lang="en-US" sz="2400" dirty="0" smtClean="0"/>
-              <a:t> </a:t>
-            </a:r>
-            <a:r>
-              <a:rPr lang="en-US" sz="2400" dirty="0" err="1" smtClean="0"/>
-              <a:t>que</a:t>
-            </a:r>
-            <a:r>
-              <a:rPr lang="en-US" sz="2400" dirty="0" smtClean="0"/>
-              <a:t> </a:t>
-            </a:r>
-            <a:r>
-              <a:rPr lang="en-US" sz="2400" dirty="0" err="1" smtClean="0"/>
-              <a:t>hacer</a:t>
-            </a:r>
-            <a:r>
-              <a:rPr lang="en-US" sz="2400" dirty="0" smtClean="0"/>
-              <a:t> </a:t>
-            </a:r>
-            <a:r>
-              <a:rPr lang="en-US" sz="2400" dirty="0" err="1" smtClean="0"/>
-              <a:t>es</a:t>
-            </a:r>
-            <a:r>
-              <a:rPr lang="en-US" sz="2400" dirty="0" smtClean="0"/>
-              <a:t> </a:t>
-            </a:r>
-            <a:r>
-              <a:rPr lang="en-US" sz="2400" dirty="0" err="1" smtClean="0"/>
-              <a:t>seleccionar</a:t>
-            </a:r>
-            <a:r>
-              <a:rPr lang="en-US" sz="2400" dirty="0" smtClean="0"/>
-              <a:t> el </a:t>
-            </a:r>
-            <a:r>
-              <a:rPr lang="en-US" sz="2400" dirty="0" err="1" smtClean="0"/>
-              <a:t>encabezado</a:t>
-            </a:r>
-            <a:r>
-              <a:rPr lang="en-US" sz="2400" dirty="0" smtClean="0"/>
-              <a:t>, y </a:t>
-            </a:r>
-            <a:r>
-              <a:rPr lang="en-US" sz="2400" dirty="0" err="1" smtClean="0"/>
-              <a:t>luego</a:t>
-            </a:r>
-            <a:r>
-              <a:rPr lang="en-US" sz="2400" dirty="0" smtClean="0"/>
-              <a:t>, </a:t>
-            </a:r>
-            <a:r>
-              <a:rPr lang="en-US" sz="2400" dirty="0" err="1" smtClean="0"/>
-              <a:t>hacer</a:t>
-            </a:r>
-            <a:r>
-              <a:rPr lang="en-US" sz="2400" dirty="0" smtClean="0"/>
-              <a:t> click en </a:t>
-            </a:r>
-            <a:r>
-              <a:rPr lang="en-US" sz="2400" dirty="0" err="1" smtClean="0"/>
-              <a:t>Filtro</a:t>
-            </a:r>
-            <a:r>
-              <a:rPr lang="en-US" sz="2400" dirty="0" smtClean="0"/>
-              <a:t>. </a:t>
-            </a:r>
-            <a:r>
-              <a:rPr lang="en-US" sz="2400" dirty="0" err="1" smtClean="0"/>
-              <a:t>Nos</a:t>
-            </a:r>
-            <a:r>
-              <a:rPr lang="en-US" sz="2400" dirty="0" smtClean="0"/>
-              <a:t> </a:t>
-            </a:r>
-            <a:r>
-              <a:rPr lang="en-US" sz="2400" dirty="0" err="1" smtClean="0"/>
-              <a:t>va</a:t>
-            </a:r>
-            <a:r>
-              <a:rPr lang="en-US" sz="2400" dirty="0" smtClean="0"/>
-              <a:t> a </a:t>
-            </a:r>
-            <a:r>
-              <a:rPr lang="en-US" sz="2400" dirty="0" err="1" smtClean="0"/>
-              <a:t>colocar</a:t>
-            </a:r>
-            <a:r>
-              <a:rPr lang="en-US" sz="2400" dirty="0" smtClean="0"/>
-              <a:t> </a:t>
-            </a:r>
-            <a:r>
-              <a:rPr lang="en-US" sz="2400" dirty="0" err="1" smtClean="0"/>
-              <a:t>las</a:t>
-            </a:r>
-            <a:r>
-              <a:rPr lang="en-US" sz="2400" dirty="0" smtClean="0"/>
-              <a:t> </a:t>
-            </a:r>
-            <a:r>
-              <a:rPr lang="en-US" sz="2400" dirty="0" err="1" smtClean="0"/>
-              <a:t>siguientes</a:t>
-            </a:r>
-            <a:r>
-              <a:rPr lang="en-US" sz="2400" dirty="0" smtClean="0"/>
-              <a:t> </a:t>
-            </a:r>
-            <a:r>
-              <a:rPr lang="en-US" sz="2400" dirty="0" err="1" smtClean="0"/>
-              <a:t>combobox</a:t>
-            </a:r>
-            <a:r>
-              <a:rPr lang="en-US" sz="2400" dirty="0" smtClean="0"/>
-              <a:t> en </a:t>
-            </a:r>
-            <a:r>
-              <a:rPr lang="en-US" sz="2400" dirty="0" err="1" smtClean="0"/>
-              <a:t>cada</a:t>
-            </a:r>
-            <a:r>
-              <a:rPr lang="en-US" sz="2400" dirty="0" smtClean="0"/>
-              <a:t> </a:t>
-            </a:r>
-            <a:r>
-              <a:rPr lang="en-US" sz="2400" dirty="0" err="1" smtClean="0"/>
-              <a:t>encabezado</a:t>
-            </a:r>
-            <a:r>
-              <a:rPr lang="en-US" sz="2400" dirty="0" smtClean="0"/>
-              <a:t>.</a:t>
-            </a:r>
-            <a:endParaRPr lang="es-ES" sz="2400" dirty="0"/>
-          </a:p>
-        </p:txBody>
-      </p:sp>
-      <p:pic>
-        <p:nvPicPr>
-          <p:cNvPr id="8" name="7 Imagen"/>
-          <p:cNvPicPr>
-            <a:picLocks noChangeAspect="1"/>
-          </p:cNvPicPr>
-          <p:nvPr/>
-        </p:nvPicPr>
-        <p:blipFill>
-          <a:blip r:embed="rId2">
-            <a:extLst>
-              <a:ext uri="{28A0092B-C50C-407E-A947-70E740481C1C}">
-                <a14:useLocalDpi xmlns:a14="http://schemas.microsoft.com/office/drawing/2010/main" val="0"/>
-              </a:ext>
-            </a:extLst>
-          </a:blip>
-          <a:stretch>
-            <a:fillRect/>
-          </a:stretch>
-        </p:blipFill>
-        <p:spPr>
-          <a:xfrm>
-            <a:off x="685800" y="1905000"/>
-            <a:ext cx="7543800" cy="4648200"/>
-          </a:xfrm>
-          <a:prstGeom prst="rect">
-            <a:avLst/>
-          </a:prstGeom>
-        </p:spPr>
-      </p:pic>
-    </p:spTree>
-    <p:extLst>
-      <p:ext uri="{BB962C8B-B14F-4D97-AF65-F5344CB8AC3E}">
-        <p14:creationId xmlns:p14="http://schemas.microsoft.com/office/powerpoint/2010/main" val="1575160127"/>
-      </p:ext>
-    </p:extLst>
-  </p:cSld>
-  <p:clrMapOvr>
-    <a:masterClrMapping/>
-  </p:clrMapOvr>
-  <p:timing>
-    <p:tnLst>
-      <p:par>
-        <p:cTn id="1" dur="indefinite" restart="never" nodeType="tmRoot"/>
-      </p:par>
-    </p:tnLst>
-  </p:timing>
 </p:sld>
 </file>
 
@@ -4585,8 +3778,8 @@
         </p:nvSpPr>
         <p:spPr>
           <a:xfrm>
-            <a:off x="304800" y="228600"/>
-            <a:ext cx="8610600" cy="830997"/>
+            <a:off x="0" y="457200"/>
+            <a:ext cx="4572000" cy="5909310"/>
           </a:xfrm>
           <a:prstGeom prst="rect">
             <a:avLst/>
@@ -4600,203 +3793,55 @@
           <a:lstStyle/>
           <a:p>
             <a:r>
-              <a:rPr lang="en-US" sz="2400" dirty="0" smtClean="0"/>
-              <a:t>Al </a:t>
-            </a:r>
-            <a:r>
-              <a:rPr lang="en-US" sz="2400" dirty="0" err="1" smtClean="0"/>
-              <a:t>realizar</a:t>
-            </a:r>
-            <a:r>
-              <a:rPr lang="en-US" sz="2400" dirty="0" smtClean="0"/>
-              <a:t> el </a:t>
-            </a:r>
-            <a:r>
-              <a:rPr lang="en-US" sz="2400" dirty="0" err="1" smtClean="0"/>
-              <a:t>filtro</a:t>
-            </a:r>
-            <a:r>
-              <a:rPr lang="en-US" sz="2400" dirty="0" smtClean="0"/>
-              <a:t>, en el </a:t>
-            </a:r>
-            <a:r>
-              <a:rPr lang="en-US" sz="2400" dirty="0" err="1" smtClean="0"/>
-              <a:t>vendedor</a:t>
-            </a:r>
-            <a:r>
-              <a:rPr lang="en-US" sz="2400" dirty="0" smtClean="0"/>
-              <a:t> </a:t>
-            </a:r>
-            <a:r>
-              <a:rPr lang="en-US" sz="2400" dirty="0" err="1" smtClean="0"/>
-              <a:t>luis</a:t>
-            </a:r>
-            <a:r>
-              <a:rPr lang="en-US" sz="2400" dirty="0" smtClean="0"/>
-              <a:t>, </a:t>
-            </a:r>
-            <a:r>
-              <a:rPr lang="en-US" sz="2400" dirty="0" err="1" smtClean="0"/>
-              <a:t>nos</a:t>
-            </a:r>
-            <a:r>
-              <a:rPr lang="en-US" sz="2400" dirty="0" smtClean="0"/>
-              <a:t> </a:t>
-            </a:r>
-            <a:r>
-              <a:rPr lang="en-US" sz="2400" dirty="0" err="1" smtClean="0"/>
-              <a:t>debe</a:t>
-            </a:r>
-            <a:r>
-              <a:rPr lang="en-US" sz="2400" dirty="0" smtClean="0"/>
-              <a:t> </a:t>
-            </a:r>
-            <a:r>
-              <a:rPr lang="en-US" sz="2400" dirty="0" err="1" smtClean="0"/>
-              <a:t>quedar</a:t>
-            </a:r>
-            <a:r>
-              <a:rPr lang="en-US" sz="2400" dirty="0" smtClean="0"/>
-              <a:t>, solo la </a:t>
-            </a:r>
-            <a:r>
-              <a:rPr lang="en-US" sz="2400" dirty="0" err="1" smtClean="0"/>
-              <a:t>siguiente</a:t>
-            </a:r>
-            <a:r>
-              <a:rPr lang="en-US" sz="2400" dirty="0" smtClean="0"/>
-              <a:t> </a:t>
-            </a:r>
-            <a:r>
-              <a:rPr lang="en-US" sz="2400" dirty="0" err="1" smtClean="0"/>
-              <a:t>informacion</a:t>
-            </a:r>
-            <a:r>
-              <a:rPr lang="en-US" sz="2400" dirty="0" smtClean="0"/>
-              <a:t>.</a:t>
-            </a:r>
-            <a:endParaRPr lang="es-ES" sz="2400" dirty="0"/>
-          </a:p>
-        </p:txBody>
-      </p:sp>
-      <p:pic>
-        <p:nvPicPr>
-          <p:cNvPr id="4" name="3 Imagen"/>
-          <p:cNvPicPr>
-            <a:picLocks noChangeAspect="1"/>
-          </p:cNvPicPr>
-          <p:nvPr/>
-        </p:nvPicPr>
-        <p:blipFill>
-          <a:blip r:embed="rId2">
-            <a:extLst>
-              <a:ext uri="{28A0092B-C50C-407E-A947-70E740481C1C}">
-                <a14:useLocalDpi xmlns:a14="http://schemas.microsoft.com/office/drawing/2010/main" val="0"/>
-              </a:ext>
-            </a:extLst>
-          </a:blip>
-          <a:stretch>
-            <a:fillRect/>
-          </a:stretch>
-        </p:blipFill>
-        <p:spPr>
-          <a:xfrm>
-            <a:off x="494874" y="1219200"/>
-            <a:ext cx="8039526" cy="2514600"/>
-          </a:xfrm>
-          <a:prstGeom prst="rect">
-            <a:avLst/>
-          </a:prstGeom>
-        </p:spPr>
-      </p:pic>
-    </p:spTree>
-    <p:extLst>
-      <p:ext uri="{BB962C8B-B14F-4D97-AF65-F5344CB8AC3E}">
-        <p14:creationId xmlns:p14="http://schemas.microsoft.com/office/powerpoint/2010/main" val="2134376720"/>
-      </p:ext>
-    </p:extLst>
-  </p:cSld>
-  <p:clrMapOvr>
-    <a:masterClrMapping/>
-  </p:clrMapOvr>
-  <p:timing>
-    <p:tnLst>
-      <p:par>
-        <p:cTn id="1" dur="indefinite" restart="never" nodeType="tmRoot"/>
-      </p:par>
-    </p:tnLst>
-  </p:timing>
-</p:sld>
-</file>
-
-<file path=ppt/slides/slide5.xml><?xml version="1.0" encoding="utf-8"?>
-<p:sld xmlns:a="http://schemas.openxmlformats.org/drawingml/2006/main" xmlns:r="http://schemas.openxmlformats.org/officeDocument/2006/relationships" xmlns:p="http://schemas.openxmlformats.org/presentationml/2006/main">
-  <p:cSld>
-    <p:spTree>
-      <p:nvGrpSpPr>
-        <p:cNvPr id="1" name=""/>
-        <p:cNvGrpSpPr/>
-        <p:nvPr/>
-      </p:nvGrpSpPr>
-      <p:grpSpPr>
-        <a:xfrm>
-          <a:off x="0" y="0"/>
-          <a:ext cx="0" cy="0"/>
-          <a:chOff x="0" y="0"/>
-          <a:chExt cx="0" cy="0"/>
-        </a:xfrm>
-      </p:grpSpPr>
-      <p:sp>
-        <p:nvSpPr>
-          <p:cNvPr id="5" name="4 CuadroTexto"/>
-          <p:cNvSpPr txBox="1"/>
-          <p:nvPr/>
-        </p:nvSpPr>
-        <p:spPr>
-          <a:xfrm>
-            <a:off x="304800" y="228600"/>
-            <a:ext cx="8610600" cy="707886"/>
-          </a:xfrm>
-          <a:prstGeom prst="rect">
-            <a:avLst/>
-          </a:prstGeom>
-          <a:noFill/>
-        </p:spPr>
-        <p:txBody>
-          <a:bodyPr wrap="square" rtlCol="0">
-            <a:spAutoFit/>
-          </a:bodyPr>
-          <a:lstStyle/>
-          <a:p>
-            <a:r>
-              <a:rPr lang="en-US" sz="4000" dirty="0" err="1" smtClean="0"/>
-              <a:t>Filtrar</a:t>
-            </a:r>
-            <a:r>
-              <a:rPr lang="en-US" sz="4000" dirty="0" smtClean="0"/>
-              <a:t> </a:t>
-            </a:r>
-            <a:r>
-              <a:rPr lang="en-US" sz="4000" dirty="0" err="1" smtClean="0"/>
-              <a:t>por</a:t>
-            </a:r>
-            <a:r>
-              <a:rPr lang="en-US" sz="4000" dirty="0" smtClean="0"/>
-              <a:t> </a:t>
-            </a:r>
-            <a:r>
-              <a:rPr lang="en-US" sz="4000" dirty="0" err="1" smtClean="0"/>
-              <a:t>nuevas</a:t>
-            </a:r>
-            <a:r>
-              <a:rPr lang="en-US" sz="4000" dirty="0" smtClean="0"/>
-              <a:t> </a:t>
-            </a:r>
-            <a:r>
-              <a:rPr lang="en-US" sz="4000" dirty="0" err="1" smtClean="0"/>
-              <a:t>Columnas</a:t>
-            </a:r>
-            <a:endParaRPr lang="es-ES" sz="4000" dirty="0"/>
+              <a:rPr lang="es-ES" sz="2400" dirty="0"/>
+              <a:t>En un sistema LAN, cada departamento de la empresa era una especie </a:t>
+            </a:r>
+            <a:r>
+              <a:rPr lang="es-ES" sz="2400" dirty="0" smtClean="0"/>
+              <a:t>de isla </a:t>
+            </a:r>
+            <a:r>
+              <a:rPr lang="es-ES" sz="2400" dirty="0"/>
+              <a:t>electrónica. A medida que </a:t>
+            </a:r>
+            <a:r>
+              <a:rPr lang="es-ES" sz="2400" dirty="0" smtClean="0"/>
+              <a:t>el uso </a:t>
+            </a:r>
+            <a:r>
+              <a:rPr lang="es-ES" sz="2400" dirty="0"/>
+              <a:t>de los computadores en las empresas aumentaba, pronto resultó </a:t>
+            </a:r>
+            <a:r>
+              <a:rPr lang="es-ES" sz="2400" dirty="0" smtClean="0"/>
+              <a:t>obvio que </a:t>
+            </a:r>
+            <a:r>
+              <a:rPr lang="es-ES" sz="2400" dirty="0"/>
+              <a:t>incluso las LAN no </a:t>
+            </a:r>
+            <a:r>
+              <a:rPr lang="es-ES" sz="2400" dirty="0" smtClean="0"/>
+              <a:t>eran suficientes.</a:t>
+            </a:r>
+          </a:p>
+          <a:p>
+            <a:r>
+              <a:rPr lang="es-ES" sz="2400" dirty="0"/>
+              <a:t>Lo que se necesitaba era una forma de que la información se pudiera transferir rápidamente y </a:t>
+            </a:r>
+            <a:r>
+              <a:rPr lang="es-ES" sz="2400" dirty="0" smtClean="0"/>
+              <a:t>con eficiencia</a:t>
+            </a:r>
+            <a:r>
+              <a:rPr lang="es-ES" sz="2400" dirty="0"/>
+              <a:t>, no solamente dentro de una misma empresa sino también de una empresa a otra.</a:t>
+            </a:r>
+            <a:endParaRPr lang="en-US" sz="2400" dirty="0"/>
+          </a:p>
+          <a:p>
+            <a:endParaRPr lang="es-ES" dirty="0"/>
           </a:p>
         </p:txBody>
       </p:sp>
@@ -4823,8 +3868,8 @@
         </p:blipFill>
         <p:spPr bwMode="auto">
           <a:xfrm>
-            <a:off x="1600200" y="1930732"/>
-            <a:ext cx="4648200" cy="781050"/>
+            <a:off x="4724400" y="457200"/>
+            <a:ext cx="4295775" cy="5867400"/>
           </a:xfrm>
           <a:prstGeom prst="rect">
             <a:avLst/>
@@ -4864,16 +3909,132 @@
           </a:extLst>
         </p:spPr>
       </p:pic>
-      <p:sp>
-        <p:nvSpPr>
-          <p:cNvPr id="6" name="5 CuadroTexto"/>
+    </p:spTree>
+    <p:extLst>
+      <p:ext uri="{BB962C8B-B14F-4D97-AF65-F5344CB8AC3E}">
+        <p14:creationId xmlns:p14="http://schemas.microsoft.com/office/powerpoint/2010/main" val="562154785"/>
+      </p:ext>
+    </p:extLst>
+  </p:cSld>
+  <p:clrMapOvr>
+    <a:masterClrMapping/>
+  </p:clrMapOvr>
+</p:sld>
+</file>
+
+<file path=ppt/slides/slide5.xml><?xml version="1.0" encoding="utf-8"?>
+<p:sld xmlns:a="http://schemas.openxmlformats.org/drawingml/2006/main" xmlns:r="http://schemas.openxmlformats.org/officeDocument/2006/relationships" xmlns:p="http://schemas.openxmlformats.org/presentationml/2006/main">
+  <p:cSld>
+    <p:spTree>
+      <p:nvGrpSpPr>
+        <p:cNvPr id="1" name=""/>
+        <p:cNvGrpSpPr/>
+        <p:nvPr/>
+      </p:nvGrpSpPr>
+      <p:grpSpPr>
+        <a:xfrm>
+          <a:off x="0" y="0"/>
+          <a:ext cx="0" cy="0"/>
+          <a:chOff x="0" y="0"/>
+          <a:chExt cx="0" cy="0"/>
+        </a:xfrm>
+      </p:grpSpPr>
+      <p:sp>
+        <p:nvSpPr>
+          <p:cNvPr id="2" name="CustomShape 1"/>
+          <p:cNvSpPr/>
+          <p:nvPr/>
+        </p:nvSpPr>
+        <p:spPr>
+          <a:xfrm>
+            <a:off x="381000" y="228600"/>
+            <a:ext cx="8458200" cy="762000"/>
+          </a:xfrm>
+          <a:prstGeom prst="rect">
+            <a:avLst/>
+          </a:prstGeom>
+          <a:noFill/>
+          <a:ln>
+            <a:noFill/>
+          </a:ln>
+        </p:spPr>
+        <p:txBody>
+          <a:bodyPr lIns="90000" tIns="45000" rIns="90000" bIns="45000" anchor="b"/>
+          <a:lstStyle/>
+          <a:p>
+            <a:pPr>
+              <a:lnSpc>
+                <a:spcPct val="100000"/>
+              </a:lnSpc>
+            </a:pPr>
+            <a:r>
+              <a:rPr lang="es-EC" sz="4000" dirty="0" smtClean="0">
+                <a:solidFill>
+                  <a:srgbClr val="FFFFFF"/>
+                </a:solidFill>
+                <a:latin typeface="Book Antiqua"/>
+              </a:rPr>
+              <a:t>Redes </a:t>
+            </a:r>
+            <a:r>
+              <a:rPr lang="es-EC" sz="4000" dirty="0" err="1" smtClean="0">
+                <a:solidFill>
+                  <a:srgbClr val="FFFFFF"/>
+                </a:solidFill>
+                <a:latin typeface="Book Antiqua"/>
+              </a:rPr>
+              <a:t>Lan</a:t>
+            </a:r>
+            <a:r>
+              <a:rPr lang="es-EC" sz="4000" dirty="0" smtClean="0">
+                <a:solidFill>
+                  <a:srgbClr val="FFFFFF"/>
+                </a:solidFill>
+                <a:latin typeface="Book Antiqua"/>
+              </a:rPr>
+              <a:t>, </a:t>
+            </a:r>
+            <a:r>
+              <a:rPr lang="es-EC" sz="4000" dirty="0" err="1" smtClean="0">
+                <a:solidFill>
+                  <a:srgbClr val="FFFFFF"/>
+                </a:solidFill>
+                <a:latin typeface="Book Antiqua"/>
+              </a:rPr>
+              <a:t>Man</a:t>
+            </a:r>
+            <a:r>
+              <a:rPr lang="es-EC" sz="4000" dirty="0" smtClean="0">
+                <a:solidFill>
+                  <a:srgbClr val="FFFFFF"/>
+                </a:solidFill>
+                <a:latin typeface="Book Antiqua"/>
+              </a:rPr>
+              <a:t> y </a:t>
+            </a:r>
+            <a:r>
+              <a:rPr lang="es-EC" sz="4000" dirty="0" err="1" smtClean="0">
+                <a:solidFill>
+                  <a:srgbClr val="FFFFFF"/>
+                </a:solidFill>
+                <a:latin typeface="Book Antiqua"/>
+              </a:rPr>
+              <a:t>Wan</a:t>
+            </a:r>
+            <a:endParaRPr sz="4000" dirty="0"/>
+          </a:p>
+        </p:txBody>
+      </p:sp>
+      <p:sp>
+        <p:nvSpPr>
+          <p:cNvPr id="3" name="2 CuadroTexto"/>
           <p:cNvSpPr txBox="1"/>
           <p:nvPr/>
         </p:nvSpPr>
         <p:spPr>
           <a:xfrm>
-            <a:off x="304800" y="1066800"/>
-            <a:ext cx="8229600" cy="369332"/>
+            <a:off x="381000" y="1295400"/>
+            <a:ext cx="4229100" cy="3785652"/>
           </a:xfrm>
           <a:prstGeom prst="rect">
             <a:avLst/>
@@ -4887,289 +4048,51 @@
           <a:lstStyle/>
           <a:p>
             <a:r>
-              <a:rPr lang="en-US" dirty="0" smtClean="0"/>
-              <a:t>Si </a:t>
-            </a:r>
-            <a:r>
-              <a:rPr lang="en-US" dirty="0" err="1" smtClean="0"/>
-              <a:t>tengo</a:t>
-            </a:r>
-            <a:r>
-              <a:rPr lang="en-US" dirty="0" smtClean="0"/>
-              <a:t> </a:t>
-            </a:r>
-            <a:r>
-              <a:rPr lang="en-US" dirty="0" err="1" smtClean="0"/>
-              <a:t>este</a:t>
-            </a:r>
-            <a:r>
-              <a:rPr lang="en-US" dirty="0" smtClean="0"/>
-              <a:t> </a:t>
-            </a:r>
-            <a:r>
-              <a:rPr lang="en-US" dirty="0" err="1" smtClean="0"/>
-              <a:t>filtro</a:t>
-            </a:r>
-            <a:r>
-              <a:rPr lang="en-US" dirty="0" smtClean="0"/>
-              <a:t>, </a:t>
-            </a:r>
-            <a:r>
-              <a:rPr lang="en-US" dirty="0" err="1" smtClean="0"/>
-              <a:t>donde</a:t>
-            </a:r>
-            <a:r>
-              <a:rPr lang="en-US" dirty="0" smtClean="0"/>
-              <a:t> los </a:t>
-            </a:r>
-            <a:r>
-              <a:rPr lang="en-US" dirty="0" err="1" smtClean="0"/>
-              <a:t>datos</a:t>
-            </a:r>
-            <a:r>
-              <a:rPr lang="en-US" dirty="0" smtClean="0"/>
-              <a:t> </a:t>
-            </a:r>
-            <a:r>
-              <a:rPr lang="en-US" dirty="0" err="1" smtClean="0"/>
-              <a:t>han</a:t>
-            </a:r>
-            <a:r>
-              <a:rPr lang="en-US" dirty="0" smtClean="0"/>
-              <a:t> </a:t>
-            </a:r>
-            <a:r>
-              <a:rPr lang="en-US" dirty="0" err="1" smtClean="0"/>
-              <a:t>sido</a:t>
-            </a:r>
-            <a:r>
-              <a:rPr lang="en-US" dirty="0" smtClean="0"/>
-              <a:t> </a:t>
-            </a:r>
-            <a:r>
-              <a:rPr lang="en-US" dirty="0" err="1" smtClean="0"/>
-              <a:t>filtrados</a:t>
-            </a:r>
-            <a:r>
-              <a:rPr lang="en-US" dirty="0" smtClean="0"/>
-              <a:t> </a:t>
-            </a:r>
-            <a:r>
-              <a:rPr lang="en-US" dirty="0" err="1" smtClean="0"/>
-              <a:t>por</a:t>
-            </a:r>
-            <a:r>
-              <a:rPr lang="en-US" dirty="0" smtClean="0"/>
-              <a:t> el </a:t>
-            </a:r>
-            <a:r>
-              <a:rPr lang="en-US" dirty="0" err="1" smtClean="0"/>
-              <a:t>vendedor</a:t>
-            </a:r>
-            <a:r>
-              <a:rPr lang="en-US" dirty="0" smtClean="0"/>
-              <a:t> Luis</a:t>
-            </a:r>
-            <a:endParaRPr lang="es-ES" dirty="0"/>
-          </a:p>
-        </p:txBody>
-      </p:sp>
-      <p:sp>
-        <p:nvSpPr>
-          <p:cNvPr id="8" name="7 CuadroTexto"/>
-          <p:cNvSpPr txBox="1"/>
-          <p:nvPr/>
-        </p:nvSpPr>
-        <p:spPr>
-          <a:xfrm>
-            <a:off x="495300" y="3352800"/>
-            <a:ext cx="8229600" cy="923330"/>
-          </a:xfrm>
-          <a:prstGeom prst="rect">
-            <a:avLst/>
-          </a:prstGeom>
-          <a:noFill/>
-        </p:spPr>
-        <p:txBody>
-          <a:bodyPr wrap="square" rtlCol="0">
-            <a:spAutoFit/>
-          </a:bodyPr>
-          <a:lstStyle/>
-          <a:p>
-            <a:r>
-              <a:rPr lang="en-US" dirty="0" err="1" smtClean="0"/>
-              <a:t>Pero</a:t>
-            </a:r>
-            <a:r>
-              <a:rPr lang="en-US" dirty="0" smtClean="0"/>
-              <a:t> </a:t>
-            </a:r>
-            <a:r>
-              <a:rPr lang="en-US" dirty="0" err="1" smtClean="0"/>
-              <a:t>ademas</a:t>
-            </a:r>
-            <a:r>
-              <a:rPr lang="en-US" dirty="0" smtClean="0"/>
-              <a:t>, </a:t>
-            </a:r>
-            <a:r>
-              <a:rPr lang="en-US" dirty="0" err="1" smtClean="0"/>
-              <a:t>necesitamos</a:t>
-            </a:r>
-            <a:r>
-              <a:rPr lang="en-US" dirty="0" smtClean="0"/>
-              <a:t> </a:t>
-            </a:r>
-            <a:r>
-              <a:rPr lang="en-US" dirty="0" err="1" smtClean="0"/>
-              <a:t>filtrarlos</a:t>
-            </a:r>
-            <a:r>
-              <a:rPr lang="en-US" dirty="0" smtClean="0"/>
-              <a:t>, </a:t>
-            </a:r>
-            <a:r>
-              <a:rPr lang="en-US" dirty="0" err="1" smtClean="0"/>
-              <a:t>por</a:t>
-            </a:r>
-            <a:r>
-              <a:rPr lang="en-US" dirty="0" smtClean="0"/>
-              <a:t> un </a:t>
-            </a:r>
-            <a:r>
-              <a:rPr lang="en-US" dirty="0" err="1" smtClean="0"/>
-              <a:t>nuevo</a:t>
-            </a:r>
-            <a:r>
-              <a:rPr lang="en-US" dirty="0"/>
-              <a:t> </a:t>
-            </a:r>
-            <a:r>
-              <a:rPr lang="en-US" dirty="0" err="1" smtClean="0"/>
-              <a:t>filtro</a:t>
-            </a:r>
-            <a:r>
-              <a:rPr lang="en-US" dirty="0" smtClean="0"/>
-              <a:t>, en </a:t>
-            </a:r>
-            <a:r>
-              <a:rPr lang="en-US" dirty="0" err="1" smtClean="0"/>
-              <a:t>este</a:t>
-            </a:r>
-            <a:r>
-              <a:rPr lang="en-US" dirty="0" smtClean="0"/>
-              <a:t> </a:t>
-            </a:r>
-            <a:r>
-              <a:rPr lang="en-US" dirty="0" err="1" smtClean="0"/>
-              <a:t>caso</a:t>
-            </a:r>
-            <a:r>
-              <a:rPr lang="en-US" dirty="0" smtClean="0"/>
-              <a:t>, </a:t>
-            </a:r>
-            <a:r>
-              <a:rPr lang="en-US" dirty="0" err="1" smtClean="0"/>
-              <a:t>sucursal</a:t>
-            </a:r>
-            <a:r>
-              <a:rPr lang="en-US" dirty="0" smtClean="0"/>
-              <a:t>, </a:t>
-            </a:r>
-            <a:r>
-              <a:rPr lang="en-US" dirty="0" err="1" smtClean="0"/>
-              <a:t>entonces</a:t>
-            </a:r>
-            <a:r>
-              <a:rPr lang="en-US" dirty="0" smtClean="0"/>
-              <a:t>, </a:t>
-            </a:r>
-            <a:r>
-              <a:rPr lang="en-US" dirty="0" err="1" smtClean="0"/>
-              <a:t>debemos</a:t>
-            </a:r>
-            <a:r>
-              <a:rPr lang="en-US" dirty="0" smtClean="0"/>
-              <a:t> </a:t>
-            </a:r>
-            <a:r>
-              <a:rPr lang="en-US" dirty="0" err="1" smtClean="0"/>
-              <a:t>escoger</a:t>
-            </a:r>
-            <a:r>
-              <a:rPr lang="en-US" dirty="0" smtClean="0"/>
-              <a:t>, el </a:t>
-            </a:r>
-            <a:r>
-              <a:rPr lang="en-US" dirty="0" err="1" smtClean="0"/>
-              <a:t>filtro</a:t>
-            </a:r>
-            <a:r>
-              <a:rPr lang="en-US" dirty="0" smtClean="0"/>
-              <a:t> </a:t>
-            </a:r>
-            <a:r>
-              <a:rPr lang="en-US" dirty="0" err="1" smtClean="0"/>
-              <a:t>sucursal</a:t>
-            </a:r>
-            <a:r>
-              <a:rPr lang="en-US" dirty="0" smtClean="0"/>
-              <a:t>, y </a:t>
-            </a:r>
-            <a:r>
-              <a:rPr lang="en-US" dirty="0" err="1" smtClean="0"/>
-              <a:t>filtramos</a:t>
-            </a:r>
-            <a:r>
-              <a:rPr lang="en-US" dirty="0" smtClean="0"/>
-              <a:t> </a:t>
-            </a:r>
-            <a:r>
-              <a:rPr lang="en-US" dirty="0" err="1" smtClean="0"/>
-              <a:t>por</a:t>
-            </a:r>
-            <a:r>
-              <a:rPr lang="en-US" dirty="0" smtClean="0"/>
-              <a:t> </a:t>
-            </a:r>
-            <a:r>
-              <a:rPr lang="en-US" dirty="0" err="1" smtClean="0"/>
-              <a:t>norte</a:t>
-            </a:r>
-            <a:r>
-              <a:rPr lang="en-US" dirty="0" smtClean="0"/>
-              <a:t>, </a:t>
-            </a:r>
-            <a:r>
-              <a:rPr lang="en-US" dirty="0" err="1" smtClean="0"/>
-              <a:t>quedando</a:t>
-            </a:r>
-            <a:r>
-              <a:rPr lang="en-US" dirty="0" smtClean="0"/>
-              <a:t> </a:t>
-            </a:r>
-            <a:r>
-              <a:rPr lang="en-US" dirty="0" err="1" smtClean="0"/>
-              <a:t>asi</a:t>
-            </a:r>
-            <a:r>
-              <a:rPr lang="en-US" dirty="0" smtClean="0"/>
-              <a:t>:</a:t>
-            </a:r>
-            <a:endParaRPr lang="es-ES" dirty="0"/>
+              <a:rPr lang="es-ES" sz="2400" dirty="0"/>
+              <a:t>La </a:t>
+            </a:r>
+            <a:r>
+              <a:rPr lang="es-ES" sz="2400" dirty="0" smtClean="0"/>
+              <a:t>solución fue </a:t>
+            </a:r>
+            <a:r>
+              <a:rPr lang="es-ES" sz="2400" dirty="0"/>
+              <a:t>la creación de redes de área metropolitana (MAN) y redes de área amplia (WAN). Como las </a:t>
+            </a:r>
+            <a:r>
+              <a:rPr lang="es-ES" sz="2400" dirty="0" smtClean="0"/>
+              <a:t>WAN podían </a:t>
+            </a:r>
+            <a:r>
+              <a:rPr lang="es-ES" sz="2400" dirty="0"/>
+              <a:t>conectar redes de usuarios dentro de áreas geográficas extensas, permitieron que las empresas </a:t>
+            </a:r>
+            <a:r>
+              <a:rPr lang="es-ES" sz="2400" dirty="0" smtClean="0"/>
+              <a:t>se comunicaran </a:t>
+            </a:r>
+            <a:r>
+              <a:rPr lang="es-ES" sz="2400" dirty="0"/>
+              <a:t>entre sí a través de grandes </a:t>
+            </a:r>
+            <a:r>
+              <a:rPr lang="es-ES" sz="2400" dirty="0" smtClean="0"/>
+              <a:t>distancias.</a:t>
+            </a:r>
+            <a:endParaRPr lang="es-ES" sz="2400" dirty="0"/>
           </a:p>
         </p:txBody>
       </p:sp>
       <p:pic>
         <p:nvPicPr>
-          <p:cNvPr id="3075" name="Picture 3"/>
+          <p:cNvPr id="4098" name="Picture 2"/>
           <p:cNvPicPr>
             <a:picLocks noChangeAspect="1" noChangeArrowheads="1"/>
           </p:cNvPicPr>
           <p:nvPr/>
         </p:nvPicPr>
         <p:blipFill>
-          <a:blip r:embed="rId3">
+          <a:blip r:embed="rId2">
             <a:extLst>
               <a:ext uri="{28A0092B-C50C-407E-A947-70E740481C1C}">
                 <a14:useLocalDpi xmlns:a14="http://schemas.microsoft.com/office/drawing/2010/main" val="0"/>
@@ -5183,8 +4106,8 @@
         </p:blipFill>
         <p:spPr bwMode="auto">
           <a:xfrm>
-            <a:off x="1735682" y="4648200"/>
-            <a:ext cx="4512718" cy="1066800"/>
+            <a:off x="4876800" y="1066801"/>
+            <a:ext cx="4099446" cy="5562600"/>
           </a:xfrm>
           <a:prstGeom prst="rect">
             <a:avLst/>
@@ -5227,20 +4150,13 @@
     </p:spTree>
     <p:extLst>
       <p:ext uri="{BB962C8B-B14F-4D97-AF65-F5344CB8AC3E}">
-        <p14:creationId xmlns:p14="http://schemas.microsoft.com/office/powerpoint/2010/main" val="360656231"/>
+        <p14:creationId xmlns:p14="http://schemas.microsoft.com/office/powerpoint/2010/main" val="2248806032"/>
       </p:ext>
     </p:extLst>
   </p:cSld>
   <p:clrMapOvr>
     <a:masterClrMapping/>
   </p:clrMapOvr>
-  <p:timing>
-    <p:tnLst>
-      <p:par>
-        <p:cTn id="1" dur="indefinite" restart="never" nodeType="tmRoot"/>
-      </p:par>
-    </p:tnLst>
-  </p:timing>
 </p:sld>
 </file>
 
@@ -5261,147 +4177,9 @@
           <a:chExt cx="0" cy="0"/>
         </a:xfrm>
       </p:grpSpPr>
-      <p:sp>
-        <p:nvSpPr>
-          <p:cNvPr id="2" name="1 CuadroTexto"/>
-          <p:cNvSpPr txBox="1"/>
-          <p:nvPr/>
-        </p:nvSpPr>
-        <p:spPr>
-          <a:xfrm>
-            <a:off x="304800" y="228600"/>
-            <a:ext cx="8610600" cy="707886"/>
-          </a:xfrm>
-          <a:prstGeom prst="rect">
-            <a:avLst/>
-          </a:prstGeom>
-          <a:noFill/>
-        </p:spPr>
-        <p:txBody>
-          <a:bodyPr wrap="square" rtlCol="0">
-            <a:spAutoFit/>
-          </a:bodyPr>
-          <a:lstStyle/>
-          <a:p>
-            <a:r>
-              <a:rPr lang="en-US" sz="4000" dirty="0" err="1" smtClean="0"/>
-              <a:t>Quitar</a:t>
-            </a:r>
-            <a:r>
-              <a:rPr lang="en-US" sz="4000" dirty="0" smtClean="0"/>
-              <a:t> un </a:t>
-            </a:r>
-            <a:r>
-              <a:rPr lang="en-US" sz="4000" dirty="0" err="1" smtClean="0"/>
-              <a:t>filtro</a:t>
-            </a:r>
-            <a:r>
-              <a:rPr lang="en-US" sz="4000" dirty="0" smtClean="0"/>
-              <a:t> en Excel</a:t>
-            </a:r>
-            <a:endParaRPr lang="es-ES" sz="4000" dirty="0"/>
-          </a:p>
-        </p:txBody>
-      </p:sp>
       <p:pic>
         <p:nvPicPr>
-          <p:cNvPr id="3" name="2 Imagen"/>
-          <p:cNvPicPr>
-            <a:picLocks noChangeAspect="1"/>
-          </p:cNvPicPr>
-          <p:nvPr/>
-        </p:nvPicPr>
-        <p:blipFill>
-          <a:blip r:embed="rId2">
-            <a:extLst>
-              <a:ext uri="{28A0092B-C50C-407E-A947-70E740481C1C}">
-                <a14:useLocalDpi xmlns:a14="http://schemas.microsoft.com/office/drawing/2010/main" val="0"/>
-              </a:ext>
-            </a:extLst>
-          </a:blip>
-          <a:stretch>
-            <a:fillRect/>
-          </a:stretch>
-        </p:blipFill>
-        <p:spPr>
-          <a:xfrm>
-            <a:off x="2667000" y="1371600"/>
-            <a:ext cx="3505200" cy="4210050"/>
-          </a:xfrm>
-          <a:prstGeom prst="rect">
-            <a:avLst/>
-          </a:prstGeom>
-        </p:spPr>
-      </p:pic>
-    </p:spTree>
-    <p:extLst>
-      <p:ext uri="{BB962C8B-B14F-4D97-AF65-F5344CB8AC3E}">
-        <p14:creationId xmlns:p14="http://schemas.microsoft.com/office/powerpoint/2010/main" val="2816307058"/>
-      </p:ext>
-    </p:extLst>
-  </p:cSld>
-  <p:clrMapOvr>
-    <a:masterClrMapping/>
-  </p:clrMapOvr>
-  <p:timing>
-    <p:tnLst>
-      <p:par>
-        <p:cTn id="1" dur="indefinite" restart="never" nodeType="tmRoot"/>
-      </p:par>
-    </p:tnLst>
-  </p:timing>
-</p:sld>
-</file>
-
-<file path=ppt/slides/slide7.xml><?xml version="1.0" encoding="utf-8"?>
-<p:sld xmlns:a="http://schemas.openxmlformats.org/drawingml/2006/main" xmlns:r="http://schemas.openxmlformats.org/officeDocument/2006/relationships" xmlns:p="http://schemas.openxmlformats.org/presentationml/2006/main">
-  <p:cSld>
-    <p:spTree>
-      <p:nvGrpSpPr>
-        <p:cNvPr id="1" name=""/>
-        <p:cNvGrpSpPr/>
-        <p:nvPr/>
-      </p:nvGrpSpPr>
-      <p:grpSpPr>
-        <a:xfrm>
-          <a:off x="0" y="0"/>
-          <a:ext cx="0" cy="0"/>
-          <a:chOff x="0" y="0"/>
-          <a:chExt cx="0" cy="0"/>
-        </a:xfrm>
-      </p:grpSpPr>
-      <p:sp>
-        <p:nvSpPr>
-          <p:cNvPr id="2" name="1 CuadroTexto"/>
-          <p:cNvSpPr txBox="1"/>
-          <p:nvPr/>
-        </p:nvSpPr>
-        <p:spPr>
-          <a:xfrm>
-            <a:off x="304800" y="228600"/>
-            <a:ext cx="8610600" cy="707886"/>
-          </a:xfrm>
-          <a:prstGeom prst="rect">
-            <a:avLst/>
-          </a:prstGeom>
-          <a:noFill/>
-        </p:spPr>
-        <p:txBody>
-          <a:bodyPr wrap="square" rtlCol="0">
-            <a:spAutoFit/>
-          </a:bodyPr>
-          <a:lstStyle/>
-          <a:p>
-            <a:r>
-              <a:rPr lang="es-ES" sz="4000" dirty="0"/>
-              <a:t>Filtrar en Excel buscando valores</a:t>
-            </a:r>
-          </a:p>
-        </p:txBody>
-      </p:sp>
-      <p:pic>
-        <p:nvPicPr>
-          <p:cNvPr id="4098" name="Picture 2"/>
+          <p:cNvPr id="5122" name="Picture 2"/>
           <p:cNvPicPr>
             <a:picLocks noChangeAspect="1" noChangeArrowheads="1"/>
           </p:cNvPicPr>
@@ -5422,8 +4200,8 @@
         </p:blipFill>
         <p:spPr bwMode="auto">
           <a:xfrm>
-            <a:off x="458764" y="1219200"/>
-            <a:ext cx="8228036" cy="5105400"/>
+            <a:off x="838200" y="1371600"/>
+            <a:ext cx="7696200" cy="5257800"/>
           </a:xfrm>
           <a:prstGeom prst="rect">
             <a:avLst/>
@@ -5463,23 +4241,132 @@
           </a:extLst>
         </p:spPr>
       </p:pic>
+      <p:sp>
+        <p:nvSpPr>
+          <p:cNvPr id="3" name="CustomShape 1"/>
+          <p:cNvSpPr/>
+          <p:nvPr/>
+        </p:nvSpPr>
+        <p:spPr>
+          <a:xfrm>
+            <a:off x="355979" y="602776"/>
+            <a:ext cx="8458200" cy="762000"/>
+          </a:xfrm>
+          <a:prstGeom prst="rect">
+            <a:avLst/>
+          </a:prstGeom>
+          <a:noFill/>
+          <a:ln>
+            <a:noFill/>
+          </a:ln>
+        </p:spPr>
+        <p:txBody>
+          <a:bodyPr lIns="90000" tIns="45000" rIns="90000" bIns="45000" anchor="b"/>
+          <a:lstStyle/>
+          <a:p>
+            <a:pPr>
+              <a:lnSpc>
+                <a:spcPct val="100000"/>
+              </a:lnSpc>
+            </a:pPr>
+            <a:r>
+              <a:rPr lang="es-EC" sz="4000" dirty="0" smtClean="0">
+                <a:solidFill>
+                  <a:srgbClr val="FFFFFF"/>
+                </a:solidFill>
+                <a:latin typeface="Book Antiqua"/>
+              </a:rPr>
+              <a:t>Cuadro comparativo entre redes </a:t>
+            </a:r>
+            <a:r>
+              <a:rPr lang="es-EC" sz="4000" dirty="0" err="1" smtClean="0">
+                <a:solidFill>
+                  <a:srgbClr val="FFFFFF"/>
+                </a:solidFill>
+                <a:latin typeface="Book Antiqua"/>
+              </a:rPr>
+              <a:t>Lan</a:t>
+            </a:r>
+            <a:r>
+              <a:rPr lang="es-EC" sz="4000" dirty="0" smtClean="0">
+                <a:solidFill>
+                  <a:srgbClr val="FFFFFF"/>
+                </a:solidFill>
+                <a:latin typeface="Book Antiqua"/>
+              </a:rPr>
+              <a:t>, </a:t>
+            </a:r>
+            <a:r>
+              <a:rPr lang="es-EC" sz="4000" dirty="0" err="1" smtClean="0">
+                <a:solidFill>
+                  <a:srgbClr val="FFFFFF"/>
+                </a:solidFill>
+                <a:latin typeface="Book Antiqua"/>
+              </a:rPr>
+              <a:t>Man</a:t>
+            </a:r>
+            <a:r>
+              <a:rPr lang="es-EC" sz="4000" dirty="0" smtClean="0">
+                <a:solidFill>
+                  <a:srgbClr val="FFFFFF"/>
+                </a:solidFill>
+                <a:latin typeface="Book Antiqua"/>
+              </a:rPr>
+              <a:t> y </a:t>
+            </a:r>
+            <a:r>
+              <a:rPr lang="es-EC" sz="4000" dirty="0" err="1" smtClean="0">
+                <a:solidFill>
+                  <a:srgbClr val="FFFFFF"/>
+                </a:solidFill>
+                <a:latin typeface="Book Antiqua"/>
+              </a:rPr>
+              <a:t>Wan</a:t>
+            </a:r>
+            <a:endParaRPr sz="4000" dirty="0"/>
+          </a:p>
+        </p:txBody>
+      </p:sp>
     </p:spTree>
     <p:extLst>
       <p:ext uri="{BB962C8B-B14F-4D97-AF65-F5344CB8AC3E}">
-        <p14:creationId xmlns:p14="http://schemas.microsoft.com/office/powerpoint/2010/main" val="1617387853"/>
+        <p14:creationId xmlns:p14="http://schemas.microsoft.com/office/powerpoint/2010/main" val="3576165453"/>
       </p:ext>
     </p:extLst>
   </p:cSld>
   <p:clrMapOvr>
     <a:masterClrMapping/>
   </p:clrMapOvr>
-  <p:timing>
-    <p:tnLst>
-      <p:par>
-        <p:cTn id="1" dur="indefinite" restart="never" nodeType="tmRoot"/>
-      </p:par>
-    </p:tnLst>
-  </p:timing>
+</p:sld>
+</file>
+
+<file path=ppt/slides/slide7.xml><?xml version="1.0" encoding="utf-8"?>
+<p:sld xmlns:a="http://schemas.openxmlformats.org/drawingml/2006/main" xmlns:r="http://schemas.openxmlformats.org/officeDocument/2006/relationships" xmlns:p="http://schemas.openxmlformats.org/presentationml/2006/main">
+  <p:cSld>
+    <p:spTree>
+      <p:nvGrpSpPr>
+        <p:cNvPr id="1" name=""/>
+        <p:cNvGrpSpPr/>
+        <p:nvPr/>
+      </p:nvGrpSpPr>
+      <p:grpSpPr>
+        <a:xfrm>
+          <a:off x="0" y="0"/>
+          <a:ext cx="0" cy="0"/>
+          <a:chOff x="0" y="0"/>
+          <a:chExt cx="0" cy="0"/>
+        </a:xfrm>
+      </p:grpSpPr>
+    </p:spTree>
+    <p:extLst>
+      <p:ext uri="{BB962C8B-B14F-4D97-AF65-F5344CB8AC3E}">
+        <p14:creationId xmlns:p14="http://schemas.microsoft.com/office/powerpoint/2010/main" val="3621656935"/>
+      </p:ext>
+    </p:extLst>
+  </p:cSld>
+  <p:clrMapOvr>
+    <a:masterClrMapping/>
+  </p:clrMapOvr>
 </p:sld>
 </file>
 
@@ -5502,58 +4389,14 @@
       </p:grpSpPr>
       <p:sp>
         <p:nvSpPr>
-          <p:cNvPr id="2" name="1 CuadroTexto"/>
-          <p:cNvSpPr txBox="1"/>
+          <p:cNvPr id="2" name="CustomShape 1"/>
+          <p:cNvSpPr/>
           <p:nvPr/>
         </p:nvSpPr>
         <p:spPr>
           <a:xfrm>
-            <a:off x="304800" y="228600"/>
-            <a:ext cx="8610600" cy="707886"/>
-          </a:xfrm>
-          <a:prstGeom prst="rect">
-            <a:avLst/>
-          </a:prstGeom>
-          <a:noFill/>
-        </p:spPr>
-        <p:txBody>
-          <a:bodyPr wrap="square" rtlCol="0">
-            <a:spAutoFit/>
-          </a:bodyPr>
-          <a:lstStyle/>
-          <a:p>
-            <a:r>
-              <a:rPr lang="es-ES" sz="4000" dirty="0"/>
-              <a:t>Filtros de texto en Excel</a:t>
-            </a:r>
-          </a:p>
-        </p:txBody>
-      </p:sp>
-      <p:pic>
-        <p:nvPicPr>
-          <p:cNvPr id="5122" name="Picture 2"/>
-          <p:cNvPicPr>
-            <a:picLocks noChangeAspect="1" noChangeArrowheads="1"/>
-          </p:cNvPicPr>
-          <p:nvPr/>
-        </p:nvPicPr>
-        <p:blipFill>
-          <a:blip r:embed="rId2">
-            <a:extLst>
-              <a:ext uri="{28A0092B-C50C-407E-A947-70E740481C1C}">
-                <a14:useLocalDpi xmlns:a14="http://schemas.microsoft.com/office/drawing/2010/main" val="0"/>
-              </a:ext>
-            </a:extLst>
-          </a:blip>
-          <a:srcRect/>
-          <a:stretch>
-            <a:fillRect/>
-          </a:stretch>
-        </p:blipFill>
-        <p:spPr bwMode="auto">
-          <a:xfrm>
-            <a:off x="914400" y="1143000"/>
-            <a:ext cx="7162800" cy="4876800"/>
+            <a:off x="381000" y="2971800"/>
+            <a:ext cx="8458200" cy="1066800"/>
           </a:xfrm>
           <a:prstGeom prst="rect">
             <a:avLst/>
@@ -5562,54 +4405,39 @@
           <a:ln>
             <a:noFill/>
           </a:ln>
-          <a:effectLst/>
-          <a:extLst>
-            <a:ext uri="{909E8E84-426E-40DD-AFC4-6F175D3DCCD1}">
-              <a14:hiddenFill xmlns:a14="http://schemas.microsoft.com/office/drawing/2010/main">
+        </p:spPr>
+        <p:txBody>
+          <a:bodyPr lIns="90000" tIns="45000" rIns="90000" bIns="45000" anchor="b"/>
+          <a:lstStyle/>
+          <a:p>
+            <a:pPr>
+              <a:lnSpc>
+                <a:spcPct val="100000"/>
+              </a:lnSpc>
+            </a:pPr>
+            <a:r>
+              <a:rPr lang="es-EC" sz="5400" dirty="0" smtClean="0">
                 <a:solidFill>
-                  <a:schemeClr val="accent1"/>
+                  <a:srgbClr val="FFFFFF"/>
                 </a:solidFill>
-              </a14:hiddenFill>
-            </a:ext>
-            <a:ext uri="{91240B29-F687-4F45-9708-019B960494DF}">
-              <a14:hiddenLine xmlns:a14="http://schemas.microsoft.com/office/drawing/2010/main" w="9525">
-                <a:solidFill>
-                  <a:schemeClr val="tx1"/>
-                </a:solidFill>
-                <a:miter lim="800000"/>
-                <a:headEnd/>
-                <a:tailEnd/>
-              </a14:hiddenLine>
-            </a:ext>
-            <a:ext uri="{AF507438-7753-43E0-B8FC-AC1667EBCBE1}">
-              <a14:hiddenEffects xmlns:a14="http://schemas.microsoft.com/office/drawing/2010/main">
-                <a:effectLst>
-                  <a:outerShdw dist="35921" dir="2700000" algn="ctr" rotWithShape="0">
-                    <a:schemeClr val="bg2"/>
-                  </a:outerShdw>
-                </a:effectLst>
-              </a14:hiddenEffects>
-            </a:ext>
-          </a:extLst>
-        </p:spPr>
-      </p:pic>
+                <a:latin typeface="Book Antiqua"/>
+              </a:rPr>
+              <a:t>Ancho de banda</a:t>
+            </a:r>
+            <a:endParaRPr dirty="0"/>
+          </a:p>
+        </p:txBody>
+      </p:sp>
     </p:spTree>
     <p:extLst>
       <p:ext uri="{BB962C8B-B14F-4D97-AF65-F5344CB8AC3E}">
-        <p14:creationId xmlns:p14="http://schemas.microsoft.com/office/powerpoint/2010/main" val="1784100151"/>
+        <p14:creationId xmlns:p14="http://schemas.microsoft.com/office/powerpoint/2010/main" val="4222547283"/>
       </p:ext>
     </p:extLst>
   </p:cSld>
   <p:clrMapOvr>
     <a:masterClrMapping/>
   </p:clrMapOvr>
-  <p:timing>
-    <p:tnLst>
-      <p:par>
-        <p:cTn id="1" dur="indefinite" restart="never" nodeType="tmRoot"/>
-      </p:par>
-    </p:tnLst>
-  </p:timing>
 </p:sld>
 </file>
 
@@ -5632,58 +4460,14 @@
       </p:grpSpPr>
       <p:sp>
         <p:nvSpPr>
-          <p:cNvPr id="5" name="4 CuadroTexto"/>
-          <p:cNvSpPr txBox="1"/>
+          <p:cNvPr id="2" name="CustomShape 1"/>
+          <p:cNvSpPr/>
           <p:nvPr/>
         </p:nvSpPr>
         <p:spPr>
           <a:xfrm>
-            <a:off x="304800" y="228600"/>
-            <a:ext cx="8610600" cy="707886"/>
-          </a:xfrm>
-          <a:prstGeom prst="rect">
-            <a:avLst/>
-          </a:prstGeom>
-          <a:noFill/>
-        </p:spPr>
-        <p:txBody>
-          <a:bodyPr wrap="square" rtlCol="0">
-            <a:spAutoFit/>
-          </a:bodyPr>
-          <a:lstStyle/>
-          <a:p>
-            <a:r>
-              <a:rPr lang="es-ES" sz="4000" dirty="0"/>
-              <a:t>Filtros de número en Excel</a:t>
-            </a:r>
-          </a:p>
-        </p:txBody>
-      </p:sp>
-      <p:pic>
-        <p:nvPicPr>
-          <p:cNvPr id="6147" name="Picture 3"/>
-          <p:cNvPicPr>
-            <a:picLocks noChangeAspect="1" noChangeArrowheads="1"/>
-          </p:cNvPicPr>
-          <p:nvPr/>
-        </p:nvPicPr>
-        <p:blipFill>
-          <a:blip r:embed="rId2">
-            <a:extLst>
-              <a:ext uri="{28A0092B-C50C-407E-A947-70E740481C1C}">
-                <a14:useLocalDpi xmlns:a14="http://schemas.microsoft.com/office/drawing/2010/main" val="0"/>
-              </a:ext>
-            </a:extLst>
-          </a:blip>
-          <a:srcRect/>
-          <a:stretch>
-            <a:fillRect/>
-          </a:stretch>
-        </p:blipFill>
-        <p:spPr bwMode="auto">
-          <a:xfrm>
-            <a:off x="685800" y="1143000"/>
-            <a:ext cx="7772400" cy="5257800"/>
+            <a:off x="3048000" y="2286000"/>
+            <a:ext cx="4229100" cy="1066800"/>
           </a:xfrm>
           <a:prstGeom prst="rect">
             <a:avLst/>
@@ -5692,54 +4476,39 @@
           <a:ln>
             <a:noFill/>
           </a:ln>
-          <a:effectLst/>
-          <a:extLst>
-            <a:ext uri="{909E8E84-426E-40DD-AFC4-6F175D3DCCD1}">
-              <a14:hiddenFill xmlns:a14="http://schemas.microsoft.com/office/drawing/2010/main">
+        </p:spPr>
+        <p:txBody>
+          <a:bodyPr lIns="90000" tIns="45000" rIns="90000" bIns="45000" anchor="b"/>
+          <a:lstStyle/>
+          <a:p>
+            <a:pPr>
+              <a:lnSpc>
+                <a:spcPct val="100000"/>
+              </a:lnSpc>
+            </a:pPr>
+            <a:r>
+              <a:rPr lang="es-EC" sz="5400" dirty="0" smtClean="0">
                 <a:solidFill>
-                  <a:schemeClr val="accent1"/>
+                  <a:srgbClr val="FFFFFF"/>
                 </a:solidFill>
-              </a14:hiddenFill>
-            </a:ext>
-            <a:ext uri="{91240B29-F687-4F45-9708-019B960494DF}">
-              <a14:hiddenLine xmlns:a14="http://schemas.microsoft.com/office/drawing/2010/main" w="9525">
-                <a:solidFill>
-                  <a:schemeClr val="tx1"/>
-                </a:solidFill>
-                <a:miter lim="800000"/>
-                <a:headEnd/>
-                <a:tailEnd/>
-              </a14:hiddenLine>
-            </a:ext>
-            <a:ext uri="{AF507438-7753-43E0-B8FC-AC1667EBCBE1}">
-              <a14:hiddenEffects xmlns:a14="http://schemas.microsoft.com/office/drawing/2010/main">
-                <a:effectLst>
-                  <a:outerShdw dist="35921" dir="2700000" algn="ctr" rotWithShape="0">
-                    <a:schemeClr val="bg2"/>
-                  </a:outerShdw>
-                </a:effectLst>
-              </a14:hiddenEffects>
-            </a:ext>
-          </a:extLst>
-        </p:spPr>
-      </p:pic>
+                <a:latin typeface="Book Antiqua"/>
+              </a:rPr>
+              <a:t>Categorías</a:t>
+            </a:r>
+            <a:endParaRPr dirty="0"/>
+          </a:p>
+        </p:txBody>
+      </p:sp>
     </p:spTree>
     <p:extLst>
       <p:ext uri="{BB962C8B-B14F-4D97-AF65-F5344CB8AC3E}">
-        <p14:creationId xmlns:p14="http://schemas.microsoft.com/office/powerpoint/2010/main" val="3269485058"/>
+        <p14:creationId xmlns:p14="http://schemas.microsoft.com/office/powerpoint/2010/main" val="1439693831"/>
       </p:ext>
     </p:extLst>
   </p:cSld>
   <p:clrMapOvr>
     <a:masterClrMapping/>
   </p:clrMapOvr>
-  <p:timing>
-    <p:tnLst>
-      <p:par>
-        <p:cTn id="1" dur="indefinite" restart="never" nodeType="tmRoot"/>
-      </p:par>
-    </p:tnLst>
-  </p:timing>
 </p:sld>
 </file>
 

--- a/2015-2016/clases/informatica_aplicada/clase_10/clase_10.pptx
+++ b/2015-2016/clases/informatica_aplicada/clase_10/clase_10.pptx
@@ -13,10 +13,14 @@
     <p:sldId id="264" r:id="rId7"/>
     <p:sldId id="265" r:id="rId8"/>
     <p:sldId id="266" r:id="rId9"/>
-    <p:sldId id="257" r:id="rId10"/>
-    <p:sldId id="258" r:id="rId11"/>
-    <p:sldId id="259" r:id="rId12"/>
-    <p:sldId id="260" r:id="rId13"/>
+    <p:sldId id="267" r:id="rId10"/>
+    <p:sldId id="268" r:id="rId11"/>
+    <p:sldId id="257" r:id="rId12"/>
+    <p:sldId id="269" r:id="rId13"/>
+    <p:sldId id="270" r:id="rId14"/>
+    <p:sldId id="271" r:id="rId15"/>
+    <p:sldId id="272" r:id="rId16"/>
+    <p:sldId id="273" r:id="rId17"/>
   </p:sldIdLst>
   <p:sldSz cx="9144000" cy="6858000" type="screen4x3"/>
   <p:notesSz cx="7559675" cy="10691813"/>
@@ -3144,8 +3148,8 @@
         </p:nvSpPr>
         <p:spPr>
           <a:xfrm>
-            <a:off x="762000" y="2438400"/>
-            <a:ext cx="7391400" cy="1066800"/>
+            <a:off x="375313" y="457200"/>
+            <a:ext cx="8458200" cy="1066800"/>
           </a:xfrm>
           <a:prstGeom prst="rect">
             <a:avLst/>
@@ -3171,16 +3175,160 @@
                 </a:solidFill>
                 <a:latin typeface="Book Antiqua"/>
               </a:rPr>
-              <a:t>Arquitectura por capa</a:t>
+              <a:t>Protocolos de Red</a:t>
             </a:r>
             <a:endParaRPr dirty="0"/>
+          </a:p>
+        </p:txBody>
+      </p:sp>
+      <p:sp>
+        <p:nvSpPr>
+          <p:cNvPr id="3" name="2 CuadroTexto"/>
+          <p:cNvSpPr txBox="1"/>
+          <p:nvPr/>
+        </p:nvSpPr>
+        <p:spPr>
+          <a:xfrm>
+            <a:off x="375313" y="2057400"/>
+            <a:ext cx="8311487" cy="2800767"/>
+          </a:xfrm>
+          <a:prstGeom prst="rect">
+            <a:avLst/>
+          </a:prstGeom>
+          <a:noFill/>
+        </p:spPr>
+        <p:txBody>
+          <a:bodyPr wrap="square" rtlCol="0">
+            <a:spAutoFit/>
+          </a:bodyPr>
+          <a:lstStyle/>
+          <a:p>
+            <a:r>
+              <a:rPr lang="en-US" sz="2800" dirty="0" err="1" smtClean="0"/>
+              <a:t>Es</a:t>
+            </a:r>
+            <a:r>
+              <a:rPr lang="en-US" sz="2800" dirty="0" smtClean="0"/>
+              <a:t> un </a:t>
+            </a:r>
+            <a:r>
+              <a:rPr lang="en-US" sz="2800" dirty="0" err="1" smtClean="0"/>
+              <a:t>conjunto</a:t>
+            </a:r>
+            <a:r>
+              <a:rPr lang="en-US" sz="2800" dirty="0" smtClean="0"/>
+              <a:t> de </a:t>
+            </a:r>
+            <a:r>
+              <a:rPr lang="en-US" sz="2800" dirty="0" err="1" smtClean="0"/>
+              <a:t>reglas</a:t>
+            </a:r>
+            <a:r>
+              <a:rPr lang="en-US" sz="2800" dirty="0" smtClean="0"/>
+              <a:t>, de </a:t>
+            </a:r>
+            <a:r>
+              <a:rPr lang="en-US" sz="2800" dirty="0" err="1" smtClean="0"/>
+              <a:t>como</a:t>
+            </a:r>
+            <a:r>
+              <a:rPr lang="en-US" sz="2800" dirty="0" smtClean="0"/>
+              <a:t> los </a:t>
+            </a:r>
+            <a:r>
+              <a:rPr lang="en-US" sz="2800" dirty="0" err="1" smtClean="0"/>
+              <a:t>dispositivos</a:t>
+            </a:r>
+            <a:r>
+              <a:rPr lang="en-US" sz="2800" dirty="0" smtClean="0"/>
+              <a:t> de red se </a:t>
+            </a:r>
+            <a:r>
+              <a:rPr lang="en-US" sz="2800" dirty="0" err="1" smtClean="0"/>
+              <a:t>comunican</a:t>
+            </a:r>
+            <a:r>
+              <a:rPr lang="en-US" sz="2800" dirty="0" smtClean="0"/>
+              <a:t> entre </a:t>
+            </a:r>
+            <a:r>
+              <a:rPr lang="en-US" sz="2800" dirty="0" err="1" smtClean="0"/>
+              <a:t>si</a:t>
+            </a:r>
+            <a:r>
+              <a:rPr lang="en-US" sz="2800" dirty="0" smtClean="0"/>
+              <a:t>.</a:t>
+            </a:r>
+          </a:p>
+          <a:p>
+            <a:endParaRPr lang="en-US" sz="2800" dirty="0" smtClean="0"/>
+          </a:p>
+          <a:p>
+            <a:r>
+              <a:rPr lang="en-US" sz="2800" dirty="0" smtClean="0"/>
+              <a:t>Sin </a:t>
+            </a:r>
+            <a:r>
+              <a:rPr lang="en-US" sz="2800" dirty="0" err="1" smtClean="0"/>
+              <a:t>protocolos</a:t>
+            </a:r>
+            <a:r>
+              <a:rPr lang="en-US" sz="2800" dirty="0" smtClean="0"/>
+              <a:t> el </a:t>
+            </a:r>
+            <a:r>
+              <a:rPr lang="en-US" sz="2800" dirty="0" err="1" smtClean="0"/>
+              <a:t>computador</a:t>
+            </a:r>
+            <a:r>
+              <a:rPr lang="en-US" sz="2800" dirty="0" smtClean="0"/>
+              <a:t> no </a:t>
+            </a:r>
+            <a:r>
+              <a:rPr lang="en-US" sz="2800" dirty="0" err="1" smtClean="0"/>
+              <a:t>puede</a:t>
+            </a:r>
+            <a:r>
+              <a:rPr lang="en-US" sz="2800" dirty="0" smtClean="0"/>
+              <a:t> </a:t>
+            </a:r>
+            <a:r>
+              <a:rPr lang="en-US" sz="2800" dirty="0" err="1" smtClean="0"/>
+              <a:t>armar</a:t>
+            </a:r>
+            <a:r>
+              <a:rPr lang="en-US" sz="2800" dirty="0" smtClean="0"/>
+              <a:t> el </a:t>
+            </a:r>
+            <a:r>
+              <a:rPr lang="en-US" sz="2800" dirty="0" err="1" smtClean="0"/>
+              <a:t>formato</a:t>
+            </a:r>
+            <a:r>
+              <a:rPr lang="en-US" sz="2800" dirty="0" smtClean="0"/>
+              <a:t> original del </a:t>
+            </a:r>
+            <a:r>
+              <a:rPr lang="en-US" sz="2800" dirty="0" err="1" smtClean="0"/>
+              <a:t>flujo</a:t>
+            </a:r>
+            <a:r>
+              <a:rPr lang="en-US" sz="2800" dirty="0" smtClean="0"/>
+              <a:t> de bits.</a:t>
+            </a:r>
+          </a:p>
+          <a:p>
+            <a:endParaRPr lang="en-US" dirty="0" smtClean="0"/>
+          </a:p>
+          <a:p>
+            <a:endParaRPr lang="es-ES" dirty="0"/>
           </a:p>
         </p:txBody>
       </p:sp>
     </p:spTree>
     <p:extLst>
       <p:ext uri="{BB962C8B-B14F-4D97-AF65-F5344CB8AC3E}">
-        <p14:creationId xmlns:p14="http://schemas.microsoft.com/office/powerpoint/2010/main" val="1166046796"/>
+        <p14:creationId xmlns:p14="http://schemas.microsoft.com/office/powerpoint/2010/main" val="4222547283"/>
       </p:ext>
     </p:extLst>
   </p:cSld>
@@ -3209,14 +3357,14 @@
       </p:grpSpPr>
       <p:sp>
         <p:nvSpPr>
-          <p:cNvPr id="2" name="CustomShape 1"/>
+          <p:cNvPr id="5" name="CustomShape 1"/>
           <p:cNvSpPr/>
           <p:nvPr/>
         </p:nvSpPr>
         <p:spPr>
           <a:xfrm>
-            <a:off x="762000" y="2438400"/>
-            <a:ext cx="7391400" cy="1066800"/>
+            <a:off x="375313" y="-14785"/>
+            <a:ext cx="8458200" cy="1066800"/>
           </a:xfrm>
           <a:prstGeom prst="rect">
             <a:avLst/>
@@ -3242,16 +3390,256 @@
                 </a:solidFill>
                 <a:latin typeface="Book Antiqua"/>
               </a:rPr>
-              <a:t>Direccionamiento </a:t>
-            </a:r>
-            <a:r>
-              <a:rPr lang="es-EC" sz="5400" dirty="0" err="1" smtClean="0">
+              <a:t>LAN</a:t>
+            </a:r>
+            <a:endParaRPr dirty="0"/>
+          </a:p>
+        </p:txBody>
+      </p:sp>
+      <p:sp>
+        <p:nvSpPr>
+          <p:cNvPr id="8" name="7 CuadroTexto"/>
+          <p:cNvSpPr txBox="1"/>
+          <p:nvPr/>
+        </p:nvSpPr>
+        <p:spPr>
+          <a:xfrm>
+            <a:off x="527713" y="1371600"/>
+            <a:ext cx="8311487" cy="1200329"/>
+          </a:xfrm>
+          <a:prstGeom prst="rect">
+            <a:avLst/>
+          </a:prstGeom>
+          <a:noFill/>
+        </p:spPr>
+        <p:txBody>
+          <a:bodyPr wrap="square" rtlCol="0">
+            <a:spAutoFit/>
+          </a:bodyPr>
+          <a:lstStyle/>
+          <a:p>
+            <a:r>
+              <a:rPr lang="es-ES" sz="2400" dirty="0"/>
+              <a:t>Las LAN permiten a las empresas aplicar tecnología informática para compartir localmente archivos </a:t>
+            </a:r>
+            <a:r>
+              <a:rPr lang="es-ES" sz="2400" dirty="0" smtClean="0"/>
+              <a:t>e impresoras </a:t>
+            </a:r>
+            <a:r>
+              <a:rPr lang="es-ES" sz="2400" dirty="0"/>
+              <a:t>de manera </a:t>
+            </a:r>
+            <a:r>
+              <a:rPr lang="es-ES" sz="2400" dirty="0" smtClean="0"/>
+              <a:t>eficiente.</a:t>
+            </a:r>
+            <a:endParaRPr lang="es-ES" dirty="0"/>
+          </a:p>
+        </p:txBody>
+      </p:sp>
+    </p:spTree>
+    <p:extLst>
+      <p:ext uri="{BB962C8B-B14F-4D97-AF65-F5344CB8AC3E}">
+        <p14:creationId xmlns:p14="http://schemas.microsoft.com/office/powerpoint/2010/main" val="2648713674"/>
+      </p:ext>
+    </p:extLst>
+  </p:cSld>
+  <p:clrMapOvr>
+    <a:masterClrMapping/>
+  </p:clrMapOvr>
+</p:sld>
+</file>
+
+<file path=ppt/slides/slide12.xml><?xml version="1.0" encoding="utf-8"?>
+<p:sld xmlns:a="http://schemas.openxmlformats.org/drawingml/2006/main" xmlns:r="http://schemas.openxmlformats.org/officeDocument/2006/relationships" xmlns:p="http://schemas.openxmlformats.org/presentationml/2006/main">
+  <p:cSld>
+    <p:spTree>
+      <p:nvGrpSpPr>
+        <p:cNvPr id="1" name=""/>
+        <p:cNvGrpSpPr/>
+        <p:nvPr/>
+      </p:nvGrpSpPr>
+      <p:grpSpPr>
+        <a:xfrm>
+          <a:off x="0" y="0"/>
+          <a:ext cx="0" cy="0"/>
+          <a:chOff x="0" y="0"/>
+          <a:chExt cx="0" cy="0"/>
+        </a:xfrm>
+      </p:grpSpPr>
+      <p:sp>
+        <p:nvSpPr>
+          <p:cNvPr id="2" name="1 CuadroTexto"/>
+          <p:cNvSpPr txBox="1"/>
+          <p:nvPr/>
+        </p:nvSpPr>
+        <p:spPr>
+          <a:xfrm>
+            <a:off x="455493" y="1447800"/>
+            <a:ext cx="8311487" cy="4524315"/>
+          </a:xfrm>
+          <a:prstGeom prst="rect">
+            <a:avLst/>
+          </a:prstGeom>
+          <a:noFill/>
+        </p:spPr>
+        <p:txBody>
+          <a:bodyPr wrap="square" rtlCol="0">
+            <a:spAutoFit/>
+          </a:bodyPr>
+          <a:lstStyle/>
+          <a:p>
+            <a:r>
+              <a:rPr lang="es-ES" sz="2400" dirty="0"/>
+              <a:t>Las WAN interconectan las </a:t>
+            </a:r>
+            <a:r>
+              <a:rPr lang="es-ES" sz="2400" dirty="0" smtClean="0"/>
+              <a:t>LAN.</a:t>
+            </a:r>
+          </a:p>
+          <a:p>
+            <a:r>
+              <a:rPr lang="es-ES" sz="2400" dirty="0"/>
+              <a:t>Las WAN proporcionan comunicaciones instantáneas a través </a:t>
+            </a:r>
+            <a:r>
+              <a:rPr lang="es-ES" sz="2400" dirty="0" smtClean="0"/>
+              <a:t>de zonas </a:t>
+            </a:r>
+            <a:r>
+              <a:rPr lang="es-ES" sz="2400" dirty="0"/>
+              <a:t>geográficas extensas</a:t>
+            </a:r>
+            <a:r>
+              <a:rPr lang="es-ES" sz="2400" dirty="0" smtClean="0"/>
+              <a:t>.</a:t>
+            </a:r>
+          </a:p>
+          <a:p>
+            <a:r>
+              <a:rPr lang="es-ES" sz="2400" dirty="0"/>
+              <a:t>Las WAN están diseñadas para realizar lo siguiente</a:t>
+            </a:r>
+            <a:r>
+              <a:rPr lang="es-ES" sz="2400" dirty="0" smtClean="0"/>
+              <a:t>:</a:t>
+            </a:r>
+          </a:p>
+          <a:p>
+            <a:pPr marL="342900" indent="-342900">
+              <a:buFont typeface="Arial" pitchFamily="34" charset="0"/>
+              <a:buChar char="•"/>
+            </a:pPr>
+            <a:r>
+              <a:rPr lang="es-ES" sz="2400" dirty="0" smtClean="0"/>
+              <a:t>Operar entre áreas geográficas extensas y distantes</a:t>
+            </a:r>
+          </a:p>
+          <a:p>
+            <a:pPr marL="342900" indent="-342900">
+              <a:buFont typeface="Arial" pitchFamily="34" charset="0"/>
+              <a:buChar char="•"/>
+            </a:pPr>
+            <a:r>
+              <a:rPr lang="es-ES" sz="2400" dirty="0" smtClean="0"/>
+              <a:t>Posibilitar </a:t>
+            </a:r>
+            <a:r>
+              <a:rPr lang="es-ES" sz="2400" dirty="0"/>
+              <a:t>capacidades de comunicación en tiempo real entre </a:t>
+            </a:r>
+            <a:r>
+              <a:rPr lang="es-ES" sz="2400" dirty="0" smtClean="0"/>
+              <a:t>usuarios</a:t>
+            </a:r>
+          </a:p>
+          <a:p>
+            <a:pPr marL="342900" indent="-342900">
+              <a:buFont typeface="Arial" pitchFamily="34" charset="0"/>
+              <a:buChar char="•"/>
+            </a:pPr>
+            <a:r>
+              <a:rPr lang="es-ES" sz="2400" dirty="0" smtClean="0"/>
+              <a:t>Brindar </a:t>
+            </a:r>
+            <a:r>
+              <a:rPr lang="es-ES" sz="2400" dirty="0"/>
+              <a:t>recursos remotos de tiempo completo, conectados a los servicios locales</a:t>
+            </a:r>
+          </a:p>
+          <a:p>
+            <a:pPr marL="342900" indent="-342900">
+              <a:buFont typeface="Arial" pitchFamily="34" charset="0"/>
+              <a:buChar char="•"/>
+            </a:pPr>
+            <a:r>
+              <a:rPr lang="es-ES" sz="2400" dirty="0" smtClean="0"/>
+              <a:t>Brindar </a:t>
+            </a:r>
+            <a:r>
+              <a:rPr lang="es-ES" sz="2400" dirty="0"/>
+              <a:t>servicios de correo electrónico, </a:t>
+            </a:r>
+            <a:r>
+              <a:rPr lang="es-ES" sz="2400" dirty="0" err="1"/>
+              <a:t>World</a:t>
+            </a:r>
+            <a:r>
+              <a:rPr lang="es-ES" sz="2400" dirty="0"/>
+              <a:t> Wide Web, transferencia de archivos y comercio</a:t>
+            </a:r>
+          </a:p>
+          <a:p>
+            <a:pPr marL="342900" indent="-342900">
+              <a:buFont typeface="Arial" pitchFamily="34" charset="0"/>
+              <a:buChar char="•"/>
+            </a:pPr>
+            <a:r>
+              <a:rPr lang="es-ES" sz="2400" dirty="0"/>
+              <a:t>electrónico</a:t>
+            </a:r>
+            <a:endParaRPr lang="es-ES" sz="2400" dirty="0"/>
+          </a:p>
+        </p:txBody>
+      </p:sp>
+      <p:sp>
+        <p:nvSpPr>
+          <p:cNvPr id="3" name="CustomShape 1"/>
+          <p:cNvSpPr/>
+          <p:nvPr/>
+        </p:nvSpPr>
+        <p:spPr>
+          <a:xfrm>
+            <a:off x="301956" y="152400"/>
+            <a:ext cx="8458200" cy="1066800"/>
+          </a:xfrm>
+          <a:prstGeom prst="rect">
+            <a:avLst/>
+          </a:prstGeom>
+          <a:noFill/>
+          <a:ln>
+            <a:noFill/>
+          </a:ln>
+        </p:spPr>
+        <p:txBody>
+          <a:bodyPr lIns="90000" tIns="45000" rIns="90000" bIns="45000" anchor="b"/>
+          <a:lstStyle/>
+          <a:p>
+            <a:pPr>
+              <a:lnSpc>
+                <a:spcPct val="100000"/>
+              </a:lnSpc>
+            </a:pPr>
+            <a:r>
+              <a:rPr lang="es-EC" sz="5400" dirty="0" smtClean="0">
                 <a:solidFill>
                   <a:srgbClr val="FFFFFF"/>
                 </a:solidFill>
                 <a:latin typeface="Book Antiqua"/>
               </a:rPr>
-              <a:t>Ip</a:t>
+              <a:t>WAN</a:t>
             </a:r>
             <a:endParaRPr dirty="0"/>
           </a:p>
@@ -3260,7 +3648,405 @@
     </p:spTree>
     <p:extLst>
       <p:ext uri="{BB962C8B-B14F-4D97-AF65-F5344CB8AC3E}">
-        <p14:creationId xmlns:p14="http://schemas.microsoft.com/office/powerpoint/2010/main" val="3727273393"/>
+        <p14:creationId xmlns:p14="http://schemas.microsoft.com/office/powerpoint/2010/main" val="816161083"/>
+      </p:ext>
+    </p:extLst>
+  </p:cSld>
+  <p:clrMapOvr>
+    <a:masterClrMapping/>
+  </p:clrMapOvr>
+</p:sld>
+</file>
+
+<file path=ppt/slides/slide13.xml><?xml version="1.0" encoding="utf-8"?>
+<p:sld xmlns:a="http://schemas.openxmlformats.org/drawingml/2006/main" xmlns:r="http://schemas.openxmlformats.org/officeDocument/2006/relationships" xmlns:p="http://schemas.openxmlformats.org/presentationml/2006/main">
+  <p:cSld>
+    <p:spTree>
+      <p:nvGrpSpPr>
+        <p:cNvPr id="1" name=""/>
+        <p:cNvGrpSpPr/>
+        <p:nvPr/>
+      </p:nvGrpSpPr>
+      <p:grpSpPr>
+        <a:xfrm>
+          <a:off x="0" y="0"/>
+          <a:ext cx="0" cy="0"/>
+          <a:chOff x="0" y="0"/>
+          <a:chExt cx="0" cy="0"/>
+        </a:xfrm>
+      </p:grpSpPr>
+      <p:sp>
+        <p:nvSpPr>
+          <p:cNvPr id="2" name="CustomShape 1"/>
+          <p:cNvSpPr/>
+          <p:nvPr/>
+        </p:nvSpPr>
+        <p:spPr>
+          <a:xfrm>
+            <a:off x="301956" y="152400"/>
+            <a:ext cx="8458200" cy="1066800"/>
+          </a:xfrm>
+          <a:prstGeom prst="rect">
+            <a:avLst/>
+          </a:prstGeom>
+          <a:noFill/>
+          <a:ln>
+            <a:noFill/>
+          </a:ln>
+        </p:spPr>
+        <p:txBody>
+          <a:bodyPr lIns="90000" tIns="45000" rIns="90000" bIns="45000" anchor="b"/>
+          <a:lstStyle/>
+          <a:p>
+            <a:pPr>
+              <a:lnSpc>
+                <a:spcPct val="100000"/>
+              </a:lnSpc>
+            </a:pPr>
+            <a:r>
+              <a:rPr lang="es-EC" sz="5400" dirty="0" smtClean="0">
+                <a:solidFill>
+                  <a:srgbClr val="FFFFFF"/>
+                </a:solidFill>
+                <a:latin typeface="Book Antiqua"/>
+              </a:rPr>
+              <a:t>MAN</a:t>
+            </a:r>
+            <a:endParaRPr dirty="0"/>
+          </a:p>
+        </p:txBody>
+      </p:sp>
+      <p:sp>
+        <p:nvSpPr>
+          <p:cNvPr id="3" name="2 CuadroTexto"/>
+          <p:cNvSpPr txBox="1"/>
+          <p:nvPr/>
+        </p:nvSpPr>
+        <p:spPr>
+          <a:xfrm>
+            <a:off x="455493" y="1447800"/>
+            <a:ext cx="8311487" cy="3046988"/>
+          </a:xfrm>
+          <a:prstGeom prst="rect">
+            <a:avLst/>
+          </a:prstGeom>
+          <a:noFill/>
+        </p:spPr>
+        <p:txBody>
+          <a:bodyPr wrap="square" rtlCol="0">
+            <a:spAutoFit/>
+          </a:bodyPr>
+          <a:lstStyle/>
+          <a:p>
+            <a:r>
+              <a:rPr lang="es-ES" sz="2400" dirty="0"/>
+              <a:t>Una MAN generalmente consta de una o más LAN dentro de un área geográfica común</a:t>
+            </a:r>
+            <a:r>
+              <a:rPr lang="es-ES" sz="2400" dirty="0" smtClean="0"/>
+              <a:t>.</a:t>
+            </a:r>
+          </a:p>
+          <a:p>
+            <a:r>
+              <a:rPr lang="es-ES" sz="2400" dirty="0"/>
+              <a:t>Normalmente, se utiliza un proveedor</a:t>
+            </a:r>
+          </a:p>
+          <a:p>
+            <a:r>
+              <a:rPr lang="es-ES" sz="2400" dirty="0"/>
+              <a:t>de servicios para conectar dos o más sitios LAN utilizando líneas privadas de comunicación o servicios</a:t>
+            </a:r>
+          </a:p>
+          <a:p>
+            <a:r>
+              <a:rPr lang="es-ES" sz="2400" dirty="0"/>
+              <a:t>ópticos. También se puede crear una MAN usando tecnologías de puente inalámbrico enviando haces de</a:t>
+            </a:r>
+          </a:p>
+          <a:p>
+            <a:r>
+              <a:rPr lang="pt-BR" sz="2400" dirty="0"/>
+              <a:t>luz a través de áreas públicas.</a:t>
+            </a:r>
+            <a:endParaRPr lang="es-ES" sz="2400" dirty="0"/>
+          </a:p>
+        </p:txBody>
+      </p:sp>
+    </p:spTree>
+    <p:extLst>
+      <p:ext uri="{BB962C8B-B14F-4D97-AF65-F5344CB8AC3E}">
+        <p14:creationId xmlns:p14="http://schemas.microsoft.com/office/powerpoint/2010/main" val="707974641"/>
+      </p:ext>
+    </p:extLst>
+  </p:cSld>
+  <p:clrMapOvr>
+    <a:masterClrMapping/>
+  </p:clrMapOvr>
+</p:sld>
+</file>
+
+<file path=ppt/slides/slide14.xml><?xml version="1.0" encoding="utf-8"?>
+<p:sld xmlns:a="http://schemas.openxmlformats.org/drawingml/2006/main" xmlns:r="http://schemas.openxmlformats.org/officeDocument/2006/relationships" xmlns:p="http://schemas.openxmlformats.org/presentationml/2006/main">
+  <p:cSld>
+    <p:spTree>
+      <p:nvGrpSpPr>
+        <p:cNvPr id="1" name=""/>
+        <p:cNvGrpSpPr/>
+        <p:nvPr/>
+      </p:nvGrpSpPr>
+      <p:grpSpPr>
+        <a:xfrm>
+          <a:off x="0" y="0"/>
+          <a:ext cx="0" cy="0"/>
+          <a:chOff x="0" y="0"/>
+          <a:chExt cx="0" cy="0"/>
+        </a:xfrm>
+      </p:grpSpPr>
+      <p:sp>
+        <p:nvSpPr>
+          <p:cNvPr id="2" name="CustomShape 1"/>
+          <p:cNvSpPr/>
+          <p:nvPr/>
+        </p:nvSpPr>
+        <p:spPr>
+          <a:xfrm>
+            <a:off x="301956" y="152400"/>
+            <a:ext cx="8458200" cy="1066800"/>
+          </a:xfrm>
+          <a:prstGeom prst="rect">
+            <a:avLst/>
+          </a:prstGeom>
+          <a:noFill/>
+          <a:ln>
+            <a:noFill/>
+          </a:ln>
+        </p:spPr>
+        <p:txBody>
+          <a:bodyPr lIns="90000" tIns="45000" rIns="90000" bIns="45000" anchor="b"/>
+          <a:lstStyle/>
+          <a:p>
+            <a:pPr>
+              <a:lnSpc>
+                <a:spcPct val="100000"/>
+              </a:lnSpc>
+            </a:pPr>
+            <a:r>
+              <a:rPr lang="es-EC" sz="5400" dirty="0">
+                <a:solidFill>
+                  <a:srgbClr val="FFFFFF"/>
+                </a:solidFill>
+                <a:latin typeface="Book Antiqua"/>
+              </a:rPr>
+              <a:t>S</a:t>
+            </a:r>
+            <a:r>
+              <a:rPr lang="es-EC" sz="5400" dirty="0" smtClean="0">
+                <a:solidFill>
+                  <a:srgbClr val="FFFFFF"/>
+                </a:solidFill>
+                <a:latin typeface="Book Antiqua"/>
+              </a:rPr>
+              <a:t>AN</a:t>
+            </a:r>
+            <a:endParaRPr dirty="0"/>
+          </a:p>
+        </p:txBody>
+      </p:sp>
+      <p:sp>
+        <p:nvSpPr>
+          <p:cNvPr id="3" name="2 CuadroTexto"/>
+          <p:cNvSpPr txBox="1"/>
+          <p:nvPr/>
+        </p:nvSpPr>
+        <p:spPr>
+          <a:xfrm>
+            <a:off x="298544" y="1524000"/>
+            <a:ext cx="8311487" cy="3785652"/>
+          </a:xfrm>
+          <a:prstGeom prst="rect">
+            <a:avLst/>
+          </a:prstGeom>
+          <a:noFill/>
+        </p:spPr>
+        <p:txBody>
+          <a:bodyPr wrap="square" rtlCol="0">
+            <a:spAutoFit/>
+          </a:bodyPr>
+          <a:lstStyle/>
+          <a:p>
+            <a:r>
+              <a:rPr lang="es-ES" sz="2400" dirty="0"/>
+              <a:t>Una SAN es una red dedicada, de alto rendimiento, que se utiliza para trasladar datos entre servidores </a:t>
+            </a:r>
+            <a:r>
+              <a:rPr lang="es-ES" sz="2400" dirty="0" smtClean="0"/>
+              <a:t>y recursos </a:t>
+            </a:r>
+            <a:r>
+              <a:rPr lang="es-ES" sz="2400" dirty="0"/>
+              <a:t>de almacenamiento. Al tratarse de una red separada y dedicada, evita todo conflicto de </a:t>
+            </a:r>
+            <a:r>
+              <a:rPr lang="es-ES" sz="2400" dirty="0" smtClean="0"/>
+              <a:t>tráfico entre </a:t>
+            </a:r>
+            <a:r>
+              <a:rPr lang="es-ES" sz="2400" dirty="0"/>
+              <a:t>clientes y servidores</a:t>
+            </a:r>
+            <a:r>
+              <a:rPr lang="es-ES" sz="2400" dirty="0" smtClean="0"/>
+              <a:t>.</a:t>
+            </a:r>
+          </a:p>
+          <a:p>
+            <a:endParaRPr lang="en-US" sz="2400" dirty="0"/>
+          </a:p>
+          <a:p>
+            <a:r>
+              <a:rPr lang="es-ES" sz="2400" dirty="0"/>
+              <a:t>La tecnología SAN permite conectividad de alta velocidad, de servidor a almacenamiento, almacenamiento</a:t>
+            </a:r>
+          </a:p>
+          <a:p>
+            <a:r>
+              <a:rPr lang="es-ES" sz="2400" dirty="0"/>
+              <a:t>a almacenamiento, o servidor a servidor</a:t>
+            </a:r>
+            <a:endParaRPr lang="es-ES" sz="2400" dirty="0" smtClean="0"/>
+          </a:p>
+          <a:p>
+            <a:endParaRPr lang="es-ES" sz="2400" dirty="0"/>
+          </a:p>
+        </p:txBody>
+      </p:sp>
+    </p:spTree>
+    <p:extLst>
+      <p:ext uri="{BB962C8B-B14F-4D97-AF65-F5344CB8AC3E}">
+        <p14:creationId xmlns:p14="http://schemas.microsoft.com/office/powerpoint/2010/main" val="1929866603"/>
+      </p:ext>
+    </p:extLst>
+  </p:cSld>
+  <p:clrMapOvr>
+    <a:masterClrMapping/>
+  </p:clrMapOvr>
+</p:sld>
+</file>
+
+<file path=ppt/slides/slide15.xml><?xml version="1.0" encoding="utf-8"?>
+<p:sld xmlns:a="http://schemas.openxmlformats.org/drawingml/2006/main" xmlns:r="http://schemas.openxmlformats.org/officeDocument/2006/relationships" xmlns:p="http://schemas.openxmlformats.org/presentationml/2006/main">
+  <p:cSld>
+    <p:spTree>
+      <p:nvGrpSpPr>
+        <p:cNvPr id="1" name=""/>
+        <p:cNvGrpSpPr/>
+        <p:nvPr/>
+      </p:nvGrpSpPr>
+      <p:grpSpPr>
+        <a:xfrm>
+          <a:off x="0" y="0"/>
+          <a:ext cx="0" cy="0"/>
+          <a:chOff x="0" y="0"/>
+          <a:chExt cx="0" cy="0"/>
+        </a:xfrm>
+      </p:grpSpPr>
+      <p:sp>
+        <p:nvSpPr>
+          <p:cNvPr id="2" name="CustomShape 1"/>
+          <p:cNvSpPr/>
+          <p:nvPr/>
+        </p:nvSpPr>
+        <p:spPr>
+          <a:xfrm>
+            <a:off x="301956" y="152400"/>
+            <a:ext cx="8458200" cy="1066800"/>
+          </a:xfrm>
+          <a:prstGeom prst="rect">
+            <a:avLst/>
+          </a:prstGeom>
+          <a:noFill/>
+          <a:ln>
+            <a:noFill/>
+          </a:ln>
+        </p:spPr>
+        <p:txBody>
+          <a:bodyPr lIns="90000" tIns="45000" rIns="90000" bIns="45000" anchor="b"/>
+          <a:lstStyle/>
+          <a:p>
+            <a:pPr>
+              <a:lnSpc>
+                <a:spcPct val="100000"/>
+              </a:lnSpc>
+            </a:pPr>
+            <a:r>
+              <a:rPr lang="es-EC" sz="5400" dirty="0" smtClean="0">
+                <a:solidFill>
+                  <a:srgbClr val="FFFFFF"/>
+                </a:solidFill>
+                <a:latin typeface="Book Antiqua"/>
+              </a:rPr>
+              <a:t>VPN</a:t>
+            </a:r>
+            <a:endParaRPr dirty="0"/>
+          </a:p>
+        </p:txBody>
+      </p:sp>
+      <p:sp>
+        <p:nvSpPr>
+          <p:cNvPr id="3" name="2 CuadroTexto"/>
+          <p:cNvSpPr txBox="1"/>
+          <p:nvPr/>
+        </p:nvSpPr>
+        <p:spPr>
+          <a:xfrm>
+            <a:off x="298544" y="1524000"/>
+            <a:ext cx="8311487" cy="2308324"/>
+          </a:xfrm>
+          <a:prstGeom prst="rect">
+            <a:avLst/>
+          </a:prstGeom>
+          <a:noFill/>
+        </p:spPr>
+        <p:txBody>
+          <a:bodyPr wrap="square" rtlCol="0">
+            <a:spAutoFit/>
+          </a:bodyPr>
+          <a:lstStyle/>
+          <a:p>
+            <a:r>
+              <a:rPr lang="es-ES" sz="2400" dirty="0"/>
+              <a:t>Una VPN es una red privada que se construye dentro de una infraestructura de red pública, como la Internet</a:t>
+            </a:r>
+          </a:p>
+          <a:p>
+            <a:r>
+              <a:rPr lang="es-ES" sz="2400" dirty="0"/>
+              <a:t>global. Con una VPN, un empleado a distancia puede acceder a la red de la sede de la empresa a través de</a:t>
+            </a:r>
+          </a:p>
+          <a:p>
+            <a:r>
+              <a:rPr lang="es-ES" sz="2400" dirty="0"/>
+              <a:t>Internet, formando un túnel seguro entre el PC del empleado y un </a:t>
+            </a:r>
+            <a:r>
+              <a:rPr lang="es-ES" sz="2400" dirty="0" err="1"/>
+              <a:t>router</a:t>
+            </a:r>
+            <a:r>
+              <a:rPr lang="es-ES" sz="2400" dirty="0"/>
+              <a:t> VPN en la sede.</a:t>
+            </a:r>
+            <a:endParaRPr lang="es-ES" sz="2400" dirty="0"/>
+          </a:p>
+        </p:txBody>
+      </p:sp>
+    </p:spTree>
+    <p:extLst>
+      <p:ext uri="{BB962C8B-B14F-4D97-AF65-F5344CB8AC3E}">
+        <p14:creationId xmlns:p14="http://schemas.microsoft.com/office/powerpoint/2010/main" val="1442474064"/>
       </p:ext>
     </p:extLst>
   </p:cSld>
@@ -4357,6 +5143,120 @@
           <a:chExt cx="0" cy="0"/>
         </a:xfrm>
       </p:grpSpPr>
+      <p:sp>
+        <p:nvSpPr>
+          <p:cNvPr id="2" name="CustomShape 1"/>
+          <p:cNvSpPr/>
+          <p:nvPr/>
+        </p:nvSpPr>
+        <p:spPr>
+          <a:xfrm>
+            <a:off x="355979" y="602776"/>
+            <a:ext cx="8458200" cy="762000"/>
+          </a:xfrm>
+          <a:prstGeom prst="rect">
+            <a:avLst/>
+          </a:prstGeom>
+          <a:noFill/>
+          <a:ln>
+            <a:noFill/>
+          </a:ln>
+        </p:spPr>
+        <p:txBody>
+          <a:bodyPr lIns="90000" tIns="45000" rIns="90000" bIns="45000" anchor="b"/>
+          <a:lstStyle/>
+          <a:p>
+            <a:pPr>
+              <a:lnSpc>
+                <a:spcPct val="100000"/>
+              </a:lnSpc>
+            </a:pPr>
+            <a:r>
+              <a:rPr lang="es-EC" sz="4000" dirty="0" smtClean="0">
+                <a:solidFill>
+                  <a:srgbClr val="FFFFFF"/>
+                </a:solidFill>
+                <a:latin typeface="Book Antiqua"/>
+              </a:rPr>
+              <a:t>Historia Redes </a:t>
+            </a:r>
+            <a:r>
+              <a:rPr lang="es-EC" sz="4000" dirty="0" err="1" smtClean="0">
+                <a:solidFill>
+                  <a:srgbClr val="FFFFFF"/>
+                </a:solidFill>
+                <a:latin typeface="Book Antiqua"/>
+              </a:rPr>
+              <a:t>Informaticas</a:t>
+            </a:r>
+            <a:endParaRPr sz="4000" dirty="0"/>
+          </a:p>
+        </p:txBody>
+      </p:sp>
+      <p:pic>
+        <p:nvPicPr>
+          <p:cNvPr id="1026" name="Picture 2"/>
+          <p:cNvPicPr>
+            <a:picLocks noChangeAspect="1" noChangeArrowheads="1"/>
+          </p:cNvPicPr>
+          <p:nvPr/>
+        </p:nvPicPr>
+        <p:blipFill>
+          <a:blip r:embed="rId2">
+            <a:extLst>
+              <a:ext uri="{28A0092B-C50C-407E-A947-70E740481C1C}">
+                <a14:useLocalDpi xmlns:a14="http://schemas.microsoft.com/office/drawing/2010/main" val="0"/>
+              </a:ext>
+            </a:extLst>
+          </a:blip>
+          <a:srcRect/>
+          <a:stretch>
+            <a:fillRect/>
+          </a:stretch>
+        </p:blipFill>
+        <p:spPr bwMode="auto">
+          <a:xfrm>
+            <a:off x="686368" y="1524000"/>
+            <a:ext cx="7797421" cy="4897414"/>
+          </a:xfrm>
+          <a:prstGeom prst="rect">
+            <a:avLst/>
+          </a:prstGeom>
+          <a:noFill/>
+          <a:ln>
+            <a:noFill/>
+          </a:ln>
+          <a:effectLst/>
+          <a:extLst>
+            <a:ext uri="{909E8E84-426E-40DD-AFC4-6F175D3DCCD1}">
+              <a14:hiddenFill xmlns:a14="http://schemas.microsoft.com/office/drawing/2010/main">
+                <a:solidFill>
+                  <a:schemeClr val="accent1"/>
+                </a:solidFill>
+              </a14:hiddenFill>
+            </a:ext>
+            <a:ext uri="{91240B29-F687-4F45-9708-019B960494DF}">
+              <a14:hiddenLine xmlns:a14="http://schemas.microsoft.com/office/drawing/2010/main" w="9525">
+                <a:solidFill>
+                  <a:schemeClr val="tx1"/>
+                </a:solidFill>
+                <a:miter lim="800000"/>
+                <a:headEnd/>
+                <a:tailEnd/>
+              </a14:hiddenLine>
+            </a:ext>
+            <a:ext uri="{AF507438-7753-43E0-B8FC-AC1667EBCBE1}">
+              <a14:hiddenEffects xmlns:a14="http://schemas.microsoft.com/office/drawing/2010/main">
+                <a:effectLst>
+                  <a:outerShdw dist="35921" dir="2700000" algn="ctr" rotWithShape="0">
+                    <a:schemeClr val="bg2"/>
+                  </a:outerShdw>
+                </a:effectLst>
+              </a14:hiddenEffects>
+            </a:ext>
+          </a:extLst>
+        </p:spPr>
+      </p:pic>
     </p:spTree>
     <p:extLst>
       <p:ext uri="{BB962C8B-B14F-4D97-AF65-F5344CB8AC3E}">
@@ -4387,16 +5287,31 @@
           <a:chExt cx="0" cy="0"/>
         </a:xfrm>
       </p:grpSpPr>
-      <p:sp>
-        <p:nvSpPr>
-          <p:cNvPr id="2" name="CustomShape 1"/>
-          <p:cNvSpPr/>
+      <p:pic>
+        <p:nvPicPr>
+          <p:cNvPr id="1026" name="Picture 2"/>
+          <p:cNvPicPr>
+            <a:picLocks noChangeAspect="1" noChangeArrowheads="1"/>
+          </p:cNvPicPr>
           <p:nvPr/>
-        </p:nvSpPr>
-        <p:spPr>
-          <a:xfrm>
-            <a:off x="381000" y="2971800"/>
-            <a:ext cx="8458200" cy="1066800"/>
+        </p:nvPicPr>
+        <p:blipFill>
+          <a:blip r:embed="rId2">
+            <a:extLst>
+              <a:ext uri="{28A0092B-C50C-407E-A947-70E740481C1C}">
+                <a14:useLocalDpi xmlns:a14="http://schemas.microsoft.com/office/drawing/2010/main" val="0"/>
+              </a:ext>
+            </a:extLst>
+          </a:blip>
+          <a:srcRect/>
+          <a:stretch>
+            <a:fillRect/>
+          </a:stretch>
+        </p:blipFill>
+        <p:spPr bwMode="auto">
+          <a:xfrm>
+            <a:off x="457200" y="520392"/>
+            <a:ext cx="8001000" cy="6109008"/>
           </a:xfrm>
           <a:prstGeom prst="rect">
             <a:avLst/>
@@ -4405,33 +5320,41 @@
           <a:ln>
             <a:noFill/>
           </a:ln>
-        </p:spPr>
-        <p:txBody>
-          <a:bodyPr lIns="90000" tIns="45000" rIns="90000" bIns="45000" anchor="b"/>
-          <a:lstStyle/>
-          <a:p>
-            <a:pPr>
-              <a:lnSpc>
-                <a:spcPct val="100000"/>
-              </a:lnSpc>
-            </a:pPr>
-            <a:r>
-              <a:rPr lang="es-EC" sz="5400" dirty="0" smtClean="0">
+          <a:effectLst/>
+          <a:extLst>
+            <a:ext uri="{909E8E84-426E-40DD-AFC4-6F175D3DCCD1}">
+              <a14:hiddenFill xmlns:a14="http://schemas.microsoft.com/office/drawing/2010/main">
                 <a:solidFill>
-                  <a:srgbClr val="FFFFFF"/>
+                  <a:schemeClr val="accent1"/>
                 </a:solidFill>
-                <a:latin typeface="Book Antiqua"/>
-              </a:rPr>
-              <a:t>Ancho de banda</a:t>
-            </a:r>
-            <a:endParaRPr dirty="0"/>
-          </a:p>
-        </p:txBody>
-      </p:sp>
+              </a14:hiddenFill>
+            </a:ext>
+            <a:ext uri="{91240B29-F687-4F45-9708-019B960494DF}">
+              <a14:hiddenLine xmlns:a14="http://schemas.microsoft.com/office/drawing/2010/main" w="9525">
+                <a:solidFill>
+                  <a:schemeClr val="tx1"/>
+                </a:solidFill>
+                <a:miter lim="800000"/>
+                <a:headEnd/>
+                <a:tailEnd/>
+              </a14:hiddenLine>
+            </a:ext>
+            <a:ext uri="{AF507438-7753-43E0-B8FC-AC1667EBCBE1}">
+              <a14:hiddenEffects xmlns:a14="http://schemas.microsoft.com/office/drawing/2010/main">
+                <a:effectLst>
+                  <a:outerShdw dist="35921" dir="2700000" algn="ctr" rotWithShape="0">
+                    <a:schemeClr val="bg2"/>
+                  </a:outerShdw>
+                </a:effectLst>
+              </a14:hiddenEffects>
+            </a:ext>
+          </a:extLst>
+        </p:spPr>
+      </p:pic>
     </p:spTree>
     <p:extLst>
       <p:ext uri="{BB962C8B-B14F-4D97-AF65-F5344CB8AC3E}">
-        <p14:creationId xmlns:p14="http://schemas.microsoft.com/office/powerpoint/2010/main" val="4222547283"/>
+        <p14:creationId xmlns:p14="http://schemas.microsoft.com/office/powerpoint/2010/main" val="3191927922"/>
       </p:ext>
     </p:extLst>
   </p:cSld>
@@ -4458,16 +5381,31 @@
           <a:chExt cx="0" cy="0"/>
         </a:xfrm>
       </p:grpSpPr>
-      <p:sp>
-        <p:nvSpPr>
-          <p:cNvPr id="2" name="CustomShape 1"/>
-          <p:cNvSpPr/>
+      <p:pic>
+        <p:nvPicPr>
+          <p:cNvPr id="2050" name="Picture 2"/>
+          <p:cNvPicPr>
+            <a:picLocks noChangeAspect="1" noChangeArrowheads="1"/>
+          </p:cNvPicPr>
           <p:nvPr/>
-        </p:nvSpPr>
-        <p:spPr>
-          <a:xfrm>
-            <a:off x="3048000" y="2286000"/>
-            <a:ext cx="4229100" cy="1066800"/>
+        </p:nvPicPr>
+        <p:blipFill>
+          <a:blip r:embed="rId2">
+            <a:extLst>
+              <a:ext uri="{28A0092B-C50C-407E-A947-70E740481C1C}">
+                <a14:useLocalDpi xmlns:a14="http://schemas.microsoft.com/office/drawing/2010/main" val="0"/>
+              </a:ext>
+            </a:extLst>
+          </a:blip>
+          <a:srcRect/>
+          <a:stretch>
+            <a:fillRect/>
+          </a:stretch>
+        </p:blipFill>
+        <p:spPr bwMode="auto">
+          <a:xfrm>
+            <a:off x="685800" y="1524000"/>
+            <a:ext cx="7772400" cy="3429000"/>
           </a:xfrm>
           <a:prstGeom prst="rect">
             <a:avLst/>
@@ -4476,33 +5414,41 @@
           <a:ln>
             <a:noFill/>
           </a:ln>
-        </p:spPr>
-        <p:txBody>
-          <a:bodyPr lIns="90000" tIns="45000" rIns="90000" bIns="45000" anchor="b"/>
-          <a:lstStyle/>
-          <a:p>
-            <a:pPr>
-              <a:lnSpc>
-                <a:spcPct val="100000"/>
-              </a:lnSpc>
-            </a:pPr>
-            <a:r>
-              <a:rPr lang="es-EC" sz="5400" dirty="0" smtClean="0">
+          <a:effectLst/>
+          <a:extLst>
+            <a:ext uri="{909E8E84-426E-40DD-AFC4-6F175D3DCCD1}">
+              <a14:hiddenFill xmlns:a14="http://schemas.microsoft.com/office/drawing/2010/main">
                 <a:solidFill>
-                  <a:srgbClr val="FFFFFF"/>
+                  <a:schemeClr val="accent1"/>
                 </a:solidFill>
-                <a:latin typeface="Book Antiqua"/>
-              </a:rPr>
-              <a:t>Categorías</a:t>
-            </a:r>
-            <a:endParaRPr dirty="0"/>
-          </a:p>
-        </p:txBody>
-      </p:sp>
+              </a14:hiddenFill>
+            </a:ext>
+            <a:ext uri="{91240B29-F687-4F45-9708-019B960494DF}">
+              <a14:hiddenLine xmlns:a14="http://schemas.microsoft.com/office/drawing/2010/main" w="9525">
+                <a:solidFill>
+                  <a:schemeClr val="tx1"/>
+                </a:solidFill>
+                <a:miter lim="800000"/>
+                <a:headEnd/>
+                <a:tailEnd/>
+              </a14:hiddenLine>
+            </a:ext>
+            <a:ext uri="{AF507438-7753-43E0-B8FC-AC1667EBCBE1}">
+              <a14:hiddenEffects xmlns:a14="http://schemas.microsoft.com/office/drawing/2010/main">
+                <a:effectLst>
+                  <a:outerShdw dist="35921" dir="2700000" algn="ctr" rotWithShape="0">
+                    <a:schemeClr val="bg2"/>
+                  </a:outerShdw>
+                </a:effectLst>
+              </a14:hiddenEffects>
+            </a:ext>
+          </a:extLst>
+        </p:spPr>
+      </p:pic>
     </p:spTree>
     <p:extLst>
       <p:ext uri="{BB962C8B-B14F-4D97-AF65-F5344CB8AC3E}">
-        <p14:creationId xmlns:p14="http://schemas.microsoft.com/office/powerpoint/2010/main" val="1439693831"/>
+        <p14:creationId xmlns:p14="http://schemas.microsoft.com/office/powerpoint/2010/main" val="945265456"/>
       </p:ext>
     </p:extLst>
   </p:cSld>
